--- a/images/theory_analysis/IO_Virtualization_Software/IO_Virtualization_Software.pptx
+++ b/images/theory_analysis/IO_Virtualization_Software/IO_Virtualization_Software.pptx
@@ -231,7 +231,7 @@
           <a:p>
             <a:fld id="{6CD5550B-26C4-49A9-A5BA-636EF7BE6CE9}" type="datetimeFigureOut">
               <a:rPr lang="ko-KR" altLang="en-US" smtClean="0"/>
-              <a:t>2017-03-26</a:t>
+              <a:t>2017-04-02</a:t>
             </a:fld>
             <a:endParaRPr lang="ko-KR" altLang="en-US"/>
           </a:p>
@@ -680,7 +680,7 @@
           <a:p>
             <a:fld id="{D1175CA7-6D0D-456E-91CF-42453B260CBB}" type="datetime1">
               <a:rPr lang="ko-KR" altLang="en-US" smtClean="0"/>
-              <a:t>2017-03-26</a:t>
+              <a:t>2017-04-02</a:t>
             </a:fld>
             <a:endParaRPr lang="ko-KR" altLang="en-US"/>
           </a:p>
@@ -852,7 +852,7 @@
           <a:p>
             <a:fld id="{F572B1F4-153C-4A3D-B92C-D132A8F6E98C}" type="datetime1">
               <a:rPr lang="ko-KR" altLang="en-US" smtClean="0"/>
-              <a:t>2017-03-26</a:t>
+              <a:t>2017-04-02</a:t>
             </a:fld>
             <a:endParaRPr lang="ko-KR" altLang="en-US"/>
           </a:p>
@@ -1027,7 +1027,7 @@
           <a:p>
             <a:fld id="{9196EAD1-6682-46F6-B8B6-81ECC8FD814D}" type="datetime1">
               <a:rPr lang="ko-KR" altLang="en-US" smtClean="0"/>
-              <a:t>2017-03-26</a:t>
+              <a:t>2017-04-02</a:t>
             </a:fld>
             <a:endParaRPr lang="ko-KR" altLang="en-US"/>
           </a:p>
@@ -1192,7 +1192,7 @@
           <a:p>
             <a:fld id="{14310B56-7EFB-48E6-BE81-7C785972ABD8}" type="datetime1">
               <a:rPr lang="ko-KR" altLang="en-US" smtClean="0"/>
-              <a:t>2017-03-26</a:t>
+              <a:t>2017-04-02</a:t>
             </a:fld>
             <a:endParaRPr lang="ko-KR" altLang="en-US"/>
           </a:p>
@@ -1451,7 +1451,7 @@
           <a:p>
             <a:fld id="{190F1B79-1B1A-4DFF-8C68-9CC48E7FA05D}" type="datetime1">
               <a:rPr lang="ko-KR" altLang="en-US" smtClean="0"/>
-              <a:t>2017-03-26</a:t>
+              <a:t>2017-04-02</a:t>
             </a:fld>
             <a:endParaRPr lang="ko-KR" altLang="en-US"/>
           </a:p>
@@ -1741,7 +1741,7 @@
           <a:p>
             <a:fld id="{3D13B7D2-1C1C-483B-8CB7-A5F8B7473F76}" type="datetime1">
               <a:rPr lang="ko-KR" altLang="en-US" smtClean="0"/>
-              <a:t>2017-03-26</a:t>
+              <a:t>2017-04-02</a:t>
             </a:fld>
             <a:endParaRPr lang="ko-KR" altLang="en-US"/>
           </a:p>
@@ -2158,7 +2158,7 @@
           <a:p>
             <a:fld id="{01961C1A-FB28-4B82-9288-9105E654905F}" type="datetime1">
               <a:rPr lang="ko-KR" altLang="en-US" smtClean="0"/>
-              <a:t>2017-03-26</a:t>
+              <a:t>2017-04-02</a:t>
             </a:fld>
             <a:endParaRPr lang="ko-KR" altLang="en-US"/>
           </a:p>
@@ -2271,7 +2271,7 @@
           <a:p>
             <a:fld id="{94937D1B-284B-4C4A-8143-F7FF4ED51637}" type="datetime1">
               <a:rPr lang="ko-KR" altLang="en-US" smtClean="0"/>
-              <a:t>2017-03-26</a:t>
+              <a:t>2017-04-02</a:t>
             </a:fld>
             <a:endParaRPr lang="ko-KR" altLang="en-US"/>
           </a:p>
@@ -2361,7 +2361,7 @@
           <a:p>
             <a:fld id="{8D022CCC-3C78-47DE-AFAE-98CE1C3333F5}" type="datetime1">
               <a:rPr lang="ko-KR" altLang="en-US" smtClean="0"/>
-              <a:t>2017-03-26</a:t>
+              <a:t>2017-04-02</a:t>
             </a:fld>
             <a:endParaRPr lang="ko-KR" altLang="en-US"/>
           </a:p>
@@ -2633,7 +2633,7 @@
           <a:p>
             <a:fld id="{448ADC24-6590-49A2-999E-124601EA945E}" type="datetime1">
               <a:rPr lang="ko-KR" altLang="en-US" smtClean="0"/>
-              <a:t>2017-03-26</a:t>
+              <a:t>2017-04-02</a:t>
             </a:fld>
             <a:endParaRPr lang="ko-KR" altLang="en-US"/>
           </a:p>
@@ -2881,7 +2881,7 @@
           <a:p>
             <a:fld id="{95705096-987C-4FE3-AD5C-136468AC0F33}" type="datetime1">
               <a:rPr lang="ko-KR" altLang="en-US" smtClean="0"/>
-              <a:t>2017-03-26</a:t>
+              <a:t>2017-04-02</a:t>
             </a:fld>
             <a:endParaRPr lang="ko-KR" altLang="en-US"/>
           </a:p>
@@ -3089,7 +3089,7 @@
           <a:p>
             <a:fld id="{3AF1B4EC-F934-4CC4-A9FD-F67AEFB87E01}" type="datetime1">
               <a:rPr lang="ko-KR" altLang="en-US" smtClean="0"/>
-              <a:t>2017-03-26</a:t>
+              <a:t>2017-04-02</a:t>
             </a:fld>
             <a:endParaRPr lang="ko-KR" altLang="en-US"/>
           </a:p>
@@ -5836,8 +5836,16 @@
           <a:p>
             <a:pPr algn="ctr"/>
             <a:r>
+              <a:rPr lang="en-US" altLang="ko-KR" sz="1400" smtClean="0"/>
+              <a:t>Main</a:t>
+            </a:r>
+            <a:r>
+              <a:rPr lang="en-US" altLang="ko-KR" sz="1400" smtClean="0"/>
+              <a:t> </a:t>
+            </a:r>
+            <a:r>
               <a:rPr lang="en-US" altLang="ko-KR" sz="1400" dirty="0" smtClean="0"/>
-              <a:t>Event Loop</a:t>
+              <a:t>Loop</a:t>
             </a:r>
             <a:endParaRPr lang="ko-KR" altLang="en-US" sz="1400" dirty="0"/>
           </a:p>
@@ -8364,6 +8372,26 @@
           <a:p>
             <a:pPr algn="ctr"/>
             <a:r>
+              <a:rPr lang="en-US" altLang="ko-KR" sz="1400" smtClean="0">
+                <a:solidFill>
+                  <a:schemeClr val="bg1">
+                    <a:lumMod val="65000"/>
+                  </a:schemeClr>
+                </a:solidFill>
+              </a:rPr>
+              <a:t>Main</a:t>
+            </a:r>
+            <a:r>
+              <a:rPr lang="en-US" altLang="ko-KR" sz="1400" smtClean="0">
+                <a:solidFill>
+                  <a:schemeClr val="bg1">
+                    <a:lumMod val="65000"/>
+                  </a:schemeClr>
+                </a:solidFill>
+              </a:rPr>
+              <a:t> </a:t>
+            </a:r>
+            <a:r>
               <a:rPr lang="en-US" altLang="ko-KR" sz="1400" dirty="0" smtClean="0">
                 <a:solidFill>
                   <a:schemeClr val="bg1">
@@ -8371,7 +8399,7 @@
                   </a:schemeClr>
                 </a:solidFill>
               </a:rPr>
-              <a:t>Event Loop</a:t>
+              <a:t>Loop</a:t>
             </a:r>
             <a:endParaRPr lang="ko-KR" altLang="en-US" sz="1400" dirty="0">
               <a:solidFill>
@@ -9458,8 +9486,12 @@
           <a:p>
             <a:pPr algn="ctr"/>
             <a:r>
+              <a:rPr lang="en-US" altLang="ko-KR" sz="1400" smtClean="0"/>
+              <a:t>Main </a:t>
+            </a:r>
+            <a:r>
               <a:rPr lang="en-US" altLang="ko-KR" sz="1400" dirty="0" smtClean="0"/>
-              <a:t>Event Loop</a:t>
+              <a:t>Loop</a:t>
             </a:r>
             <a:endParaRPr lang="ko-KR" altLang="en-US" sz="1400" dirty="0"/>
           </a:p>

--- a/images/theory_analysis/IO_Virtualization_Software/IO_Virtualization_Software.pptx
+++ b/images/theory_analysis/IO_Virtualization_Software/IO_Virtualization_Software.pptx
@@ -231,7 +231,7 @@
           <a:p>
             <a:fld id="{6CD5550B-26C4-49A9-A5BA-636EF7BE6CE9}" type="datetimeFigureOut">
               <a:rPr lang="ko-KR" altLang="en-US" smtClean="0"/>
-              <a:t>2017-04-02</a:t>
+              <a:t>2019-01-16</a:t>
             </a:fld>
             <a:endParaRPr lang="ko-KR" altLang="en-US"/>
           </a:p>
@@ -295,38 +295,37 @@
           <a:p>
             <a:pPr lvl="0"/>
             <a:r>
-              <a:rPr lang="ko-KR" altLang="en-US" smtClean="0"/>
+              <a:rPr lang="ko-KR" altLang="en-US"/>
               <a:t>마스터 텍스트 스타일을 편집합니다</a:t>
             </a:r>
           </a:p>
           <a:p>
             <a:pPr lvl="1"/>
             <a:r>
-              <a:rPr lang="ko-KR" altLang="en-US" smtClean="0"/>
+              <a:rPr lang="ko-KR" altLang="en-US"/>
               <a:t>둘째 수준</a:t>
             </a:r>
           </a:p>
           <a:p>
             <a:pPr lvl="2"/>
             <a:r>
-              <a:rPr lang="ko-KR" altLang="en-US" smtClean="0"/>
+              <a:rPr lang="ko-KR" altLang="en-US"/>
               <a:t>셋째 수준</a:t>
             </a:r>
           </a:p>
           <a:p>
             <a:pPr lvl="3"/>
             <a:r>
-              <a:rPr lang="ko-KR" altLang="en-US" smtClean="0"/>
+              <a:rPr lang="ko-KR" altLang="en-US"/>
               <a:t>넷째 수준</a:t>
             </a:r>
           </a:p>
           <a:p>
             <a:pPr lvl="4"/>
             <a:r>
-              <a:rPr lang="ko-KR" altLang="en-US" smtClean="0"/>
+              <a:rPr lang="ko-KR" altLang="en-US"/>
               <a:t>다섯째 수준</a:t>
             </a:r>
-            <a:endParaRPr lang="ko-KR" altLang="en-US"/>
           </a:p>
         </p:txBody>
       </p:sp>
@@ -537,10 +536,9 @@
           <a:lstStyle/>
           <a:p>
             <a:r>
-              <a:rPr lang="ko-KR" altLang="en-US" smtClean="0"/>
+              <a:rPr lang="ko-KR" altLang="en-US"/>
               <a:t>마스터 제목 스타일 편집</a:t>
             </a:r>
-            <a:endParaRPr lang="ko-KR" altLang="en-US"/>
           </a:p>
         </p:txBody>
       </p:sp>
@@ -656,10 +654,9 @@
           </a:lstStyle>
           <a:p>
             <a:r>
-              <a:rPr lang="ko-KR" altLang="en-US" smtClean="0"/>
+              <a:rPr lang="ko-KR" altLang="en-US"/>
               <a:t>마스터 부제목 스타일 편집</a:t>
             </a:r>
-            <a:endParaRPr lang="ko-KR" altLang="en-US"/>
           </a:p>
         </p:txBody>
       </p:sp>
@@ -680,7 +677,7 @@
           <a:p>
             <a:fld id="{D1175CA7-6D0D-456E-91CF-42453B260CBB}" type="datetime1">
               <a:rPr lang="ko-KR" altLang="en-US" smtClean="0"/>
-              <a:t>2017-04-02</a:t>
+              <a:t>2019-01-16</a:t>
             </a:fld>
             <a:endParaRPr lang="ko-KR" altLang="en-US"/>
           </a:p>
@@ -733,13 +730,6 @@
   <p:clrMapOvr>
     <a:masterClrMapping/>
   </p:clrMapOvr>
-  <p:timing>
-    <p:tnLst>
-      <p:par>
-        <p:cTn id="1" dur="indefinite" restart="never" nodeType="tmRoot"/>
-      </p:par>
-    </p:tnLst>
-  </p:timing>
 </p:sldLayout>
 </file>
 
@@ -776,10 +766,9 @@
           <a:lstStyle/>
           <a:p>
             <a:r>
-              <a:rPr lang="ko-KR" altLang="en-US" smtClean="0"/>
+              <a:rPr lang="ko-KR" altLang="en-US"/>
               <a:t>마스터 제목 스타일 편집</a:t>
             </a:r>
-            <a:endParaRPr lang="ko-KR" altLang="en-US"/>
           </a:p>
         </p:txBody>
       </p:sp>
@@ -800,38 +789,37 @@
           <a:p>
             <a:pPr lvl="0"/>
             <a:r>
-              <a:rPr lang="ko-KR" altLang="en-US" smtClean="0"/>
+              <a:rPr lang="ko-KR" altLang="en-US"/>
               <a:t>마스터 텍스트 스타일을 편집합니다</a:t>
             </a:r>
           </a:p>
           <a:p>
             <a:pPr lvl="1"/>
             <a:r>
-              <a:rPr lang="ko-KR" altLang="en-US" smtClean="0"/>
+              <a:rPr lang="ko-KR" altLang="en-US"/>
               <a:t>둘째 수준</a:t>
             </a:r>
           </a:p>
           <a:p>
             <a:pPr lvl="2"/>
             <a:r>
-              <a:rPr lang="ko-KR" altLang="en-US" smtClean="0"/>
+              <a:rPr lang="ko-KR" altLang="en-US"/>
               <a:t>셋째 수준</a:t>
             </a:r>
           </a:p>
           <a:p>
             <a:pPr lvl="3"/>
             <a:r>
-              <a:rPr lang="ko-KR" altLang="en-US" smtClean="0"/>
+              <a:rPr lang="ko-KR" altLang="en-US"/>
               <a:t>넷째 수준</a:t>
             </a:r>
           </a:p>
           <a:p>
             <a:pPr lvl="4"/>
             <a:r>
-              <a:rPr lang="ko-KR" altLang="en-US" smtClean="0"/>
+              <a:rPr lang="ko-KR" altLang="en-US"/>
               <a:t>다섯째 수준</a:t>
             </a:r>
-            <a:endParaRPr lang="ko-KR" altLang="en-US"/>
           </a:p>
         </p:txBody>
       </p:sp>
@@ -852,7 +840,7 @@
           <a:p>
             <a:fld id="{F572B1F4-153C-4A3D-B92C-D132A8F6E98C}" type="datetime1">
               <a:rPr lang="ko-KR" altLang="en-US" smtClean="0"/>
-              <a:t>2017-04-02</a:t>
+              <a:t>2019-01-16</a:t>
             </a:fld>
             <a:endParaRPr lang="ko-KR" altLang="en-US"/>
           </a:p>
@@ -946,10 +934,9 @@
           <a:lstStyle/>
           <a:p>
             <a:r>
-              <a:rPr lang="ko-KR" altLang="en-US" smtClean="0"/>
+              <a:rPr lang="ko-KR" altLang="en-US"/>
               <a:t>마스터 제목 스타일 편집</a:t>
             </a:r>
-            <a:endParaRPr lang="ko-KR" altLang="en-US"/>
           </a:p>
         </p:txBody>
       </p:sp>
@@ -975,38 +962,37 @@
           <a:p>
             <a:pPr lvl="0"/>
             <a:r>
-              <a:rPr lang="ko-KR" altLang="en-US" smtClean="0"/>
+              <a:rPr lang="ko-KR" altLang="en-US"/>
               <a:t>마스터 텍스트 스타일을 편집합니다</a:t>
             </a:r>
           </a:p>
           <a:p>
             <a:pPr lvl="1"/>
             <a:r>
-              <a:rPr lang="ko-KR" altLang="en-US" smtClean="0"/>
+              <a:rPr lang="ko-KR" altLang="en-US"/>
               <a:t>둘째 수준</a:t>
             </a:r>
           </a:p>
           <a:p>
             <a:pPr lvl="2"/>
             <a:r>
-              <a:rPr lang="ko-KR" altLang="en-US" smtClean="0"/>
+              <a:rPr lang="ko-KR" altLang="en-US"/>
               <a:t>셋째 수준</a:t>
             </a:r>
           </a:p>
           <a:p>
             <a:pPr lvl="3"/>
             <a:r>
-              <a:rPr lang="ko-KR" altLang="en-US" smtClean="0"/>
+              <a:rPr lang="ko-KR" altLang="en-US"/>
               <a:t>넷째 수준</a:t>
             </a:r>
           </a:p>
           <a:p>
             <a:pPr lvl="4"/>
             <a:r>
-              <a:rPr lang="ko-KR" altLang="en-US" smtClean="0"/>
+              <a:rPr lang="ko-KR" altLang="en-US"/>
               <a:t>다섯째 수준</a:t>
             </a:r>
-            <a:endParaRPr lang="ko-KR" altLang="en-US"/>
           </a:p>
         </p:txBody>
       </p:sp>
@@ -1027,7 +1013,7 @@
           <a:p>
             <a:fld id="{9196EAD1-6682-46F6-B8B6-81ECC8FD814D}" type="datetime1">
               <a:rPr lang="ko-KR" altLang="en-US" smtClean="0"/>
-              <a:t>2017-04-02</a:t>
+              <a:t>2019-01-16</a:t>
             </a:fld>
             <a:endParaRPr lang="ko-KR" altLang="en-US"/>
           </a:p>
@@ -1116,10 +1102,9 @@
           <a:lstStyle/>
           <a:p>
             <a:r>
-              <a:rPr lang="ko-KR" altLang="en-US" smtClean="0"/>
+              <a:rPr lang="ko-KR" altLang="en-US"/>
               <a:t>마스터 제목 스타일 편집</a:t>
             </a:r>
-            <a:endParaRPr lang="ko-KR" altLang="en-US"/>
           </a:p>
         </p:txBody>
       </p:sp>
@@ -1140,38 +1125,37 @@
           <a:p>
             <a:pPr lvl="0"/>
             <a:r>
-              <a:rPr lang="ko-KR" altLang="en-US" smtClean="0"/>
+              <a:rPr lang="ko-KR" altLang="en-US"/>
               <a:t>마스터 텍스트 스타일을 편집합니다</a:t>
             </a:r>
           </a:p>
           <a:p>
             <a:pPr lvl="1"/>
             <a:r>
-              <a:rPr lang="ko-KR" altLang="en-US" smtClean="0"/>
+              <a:rPr lang="ko-KR" altLang="en-US"/>
               <a:t>둘째 수준</a:t>
             </a:r>
           </a:p>
           <a:p>
             <a:pPr lvl="2"/>
             <a:r>
-              <a:rPr lang="ko-KR" altLang="en-US" smtClean="0"/>
+              <a:rPr lang="ko-KR" altLang="en-US"/>
               <a:t>셋째 수준</a:t>
             </a:r>
           </a:p>
           <a:p>
             <a:pPr lvl="3"/>
             <a:r>
-              <a:rPr lang="ko-KR" altLang="en-US" smtClean="0"/>
+              <a:rPr lang="ko-KR" altLang="en-US"/>
               <a:t>넷째 수준</a:t>
             </a:r>
           </a:p>
           <a:p>
             <a:pPr lvl="4"/>
             <a:r>
-              <a:rPr lang="ko-KR" altLang="en-US" smtClean="0"/>
+              <a:rPr lang="ko-KR" altLang="en-US"/>
               <a:t>다섯째 수준</a:t>
             </a:r>
-            <a:endParaRPr lang="ko-KR" altLang="en-US"/>
           </a:p>
         </p:txBody>
       </p:sp>
@@ -1192,7 +1176,7 @@
           <a:p>
             <a:fld id="{14310B56-7EFB-48E6-BE81-7C785972ABD8}" type="datetime1">
               <a:rPr lang="ko-KR" altLang="en-US" smtClean="0"/>
-              <a:t>2017-04-02</a:t>
+              <a:t>2019-01-16</a:t>
             </a:fld>
             <a:endParaRPr lang="ko-KR" altLang="en-US"/>
           </a:p>
@@ -1256,13 +1240,6 @@
   <p:clrMapOvr>
     <a:masterClrMapping/>
   </p:clrMapOvr>
-  <p:timing>
-    <p:tnLst>
-      <p:par>
-        <p:cTn id="1" dur="indefinite" restart="never" nodeType="tmRoot"/>
-      </p:par>
-    </p:tnLst>
-  </p:timing>
 </p:sldLayout>
 </file>
 
@@ -1308,10 +1285,9 @@
           </a:lstStyle>
           <a:p>
             <a:r>
-              <a:rPr lang="ko-KR" altLang="en-US" smtClean="0"/>
+              <a:rPr lang="ko-KR" altLang="en-US"/>
               <a:t>마스터 제목 스타일 편집</a:t>
             </a:r>
-            <a:endParaRPr lang="ko-KR" altLang="en-US"/>
           </a:p>
         </p:txBody>
       </p:sp>
@@ -1428,7 +1404,7 @@
           <a:p>
             <a:pPr lvl="0"/>
             <a:r>
-              <a:rPr lang="ko-KR" altLang="en-US" smtClean="0"/>
+              <a:rPr lang="ko-KR" altLang="en-US"/>
               <a:t>마스터 텍스트 스타일을 편집합니다</a:t>
             </a:r>
           </a:p>
@@ -1451,7 +1427,7 @@
           <a:p>
             <a:fld id="{190F1B79-1B1A-4DFF-8C68-9CC48E7FA05D}" type="datetime1">
               <a:rPr lang="ko-KR" altLang="en-US" smtClean="0"/>
-              <a:t>2017-04-02</a:t>
+              <a:t>2019-01-16</a:t>
             </a:fld>
             <a:endParaRPr lang="ko-KR" altLang="en-US"/>
           </a:p>
@@ -1504,13 +1480,6 @@
   <p:clrMapOvr>
     <a:masterClrMapping/>
   </p:clrMapOvr>
-  <p:timing>
-    <p:tnLst>
-      <p:par>
-        <p:cTn id="1" dur="indefinite" restart="never" nodeType="tmRoot"/>
-      </p:par>
-    </p:tnLst>
-  </p:timing>
 </p:sldLayout>
 </file>
 
@@ -1547,10 +1516,9 @@
           <a:lstStyle/>
           <a:p>
             <a:r>
-              <a:rPr lang="ko-KR" altLang="en-US" smtClean="0"/>
+              <a:rPr lang="ko-KR" altLang="en-US"/>
               <a:t>마스터 제목 스타일 편집</a:t>
             </a:r>
-            <a:endParaRPr lang="ko-KR" altLang="en-US"/>
           </a:p>
         </p:txBody>
       </p:sp>
@@ -1604,38 +1572,37 @@
           <a:p>
             <a:pPr lvl="0"/>
             <a:r>
-              <a:rPr lang="ko-KR" altLang="en-US" smtClean="0"/>
+              <a:rPr lang="ko-KR" altLang="en-US"/>
               <a:t>마스터 텍스트 스타일을 편집합니다</a:t>
             </a:r>
           </a:p>
           <a:p>
             <a:pPr lvl="1"/>
             <a:r>
-              <a:rPr lang="ko-KR" altLang="en-US" smtClean="0"/>
+              <a:rPr lang="ko-KR" altLang="en-US"/>
               <a:t>둘째 수준</a:t>
             </a:r>
           </a:p>
           <a:p>
             <a:pPr lvl="2"/>
             <a:r>
-              <a:rPr lang="ko-KR" altLang="en-US" smtClean="0"/>
+              <a:rPr lang="ko-KR" altLang="en-US"/>
               <a:t>셋째 수준</a:t>
             </a:r>
           </a:p>
           <a:p>
             <a:pPr lvl="3"/>
             <a:r>
-              <a:rPr lang="ko-KR" altLang="en-US" smtClean="0"/>
+              <a:rPr lang="ko-KR" altLang="en-US"/>
               <a:t>넷째 수준</a:t>
             </a:r>
           </a:p>
           <a:p>
             <a:pPr lvl="4"/>
             <a:r>
-              <a:rPr lang="ko-KR" altLang="en-US" smtClean="0"/>
+              <a:rPr lang="ko-KR" altLang="en-US"/>
               <a:t>다섯째 수준</a:t>
             </a:r>
-            <a:endParaRPr lang="ko-KR" altLang="en-US"/>
           </a:p>
         </p:txBody>
       </p:sp>
@@ -1689,38 +1656,37 @@
           <a:p>
             <a:pPr lvl="0"/>
             <a:r>
-              <a:rPr lang="ko-KR" altLang="en-US" smtClean="0"/>
+              <a:rPr lang="ko-KR" altLang="en-US"/>
               <a:t>마스터 텍스트 스타일을 편집합니다</a:t>
             </a:r>
           </a:p>
           <a:p>
             <a:pPr lvl="1"/>
             <a:r>
-              <a:rPr lang="ko-KR" altLang="en-US" smtClean="0"/>
+              <a:rPr lang="ko-KR" altLang="en-US"/>
               <a:t>둘째 수준</a:t>
             </a:r>
           </a:p>
           <a:p>
             <a:pPr lvl="2"/>
             <a:r>
-              <a:rPr lang="ko-KR" altLang="en-US" smtClean="0"/>
+              <a:rPr lang="ko-KR" altLang="en-US"/>
               <a:t>셋째 수준</a:t>
             </a:r>
           </a:p>
           <a:p>
             <a:pPr lvl="3"/>
             <a:r>
-              <a:rPr lang="ko-KR" altLang="en-US" smtClean="0"/>
+              <a:rPr lang="ko-KR" altLang="en-US"/>
               <a:t>넷째 수준</a:t>
             </a:r>
           </a:p>
           <a:p>
             <a:pPr lvl="4"/>
             <a:r>
-              <a:rPr lang="ko-KR" altLang="en-US" smtClean="0"/>
+              <a:rPr lang="ko-KR" altLang="en-US"/>
               <a:t>다섯째 수준</a:t>
             </a:r>
-            <a:endParaRPr lang="ko-KR" altLang="en-US"/>
           </a:p>
         </p:txBody>
       </p:sp>
@@ -1741,7 +1707,7 @@
           <a:p>
             <a:fld id="{3D13B7D2-1C1C-483B-8CB7-A5F8B7473F76}" type="datetime1">
               <a:rPr lang="ko-KR" altLang="en-US" smtClean="0"/>
-              <a:t>2017-04-02</a:t>
+              <a:t>2019-01-16</a:t>
             </a:fld>
             <a:endParaRPr lang="ko-KR" altLang="en-US"/>
           </a:p>
@@ -1834,10 +1800,9 @@
           </a:lstStyle>
           <a:p>
             <a:r>
-              <a:rPr lang="ko-KR" altLang="en-US" smtClean="0"/>
+              <a:rPr lang="ko-KR" altLang="en-US"/>
               <a:t>마스터 제목 스타일 편집</a:t>
             </a:r>
-            <a:endParaRPr lang="ko-KR" altLang="en-US"/>
           </a:p>
         </p:txBody>
       </p:sp>
@@ -1900,7 +1865,7 @@
           <a:p>
             <a:pPr lvl="0"/>
             <a:r>
-              <a:rPr lang="ko-KR" altLang="en-US" smtClean="0"/>
+              <a:rPr lang="ko-KR" altLang="en-US"/>
               <a:t>마스터 텍스트 스타일을 편집합니다</a:t>
             </a:r>
           </a:p>
@@ -1956,38 +1921,37 @@
           <a:p>
             <a:pPr lvl="0"/>
             <a:r>
-              <a:rPr lang="ko-KR" altLang="en-US" smtClean="0"/>
+              <a:rPr lang="ko-KR" altLang="en-US"/>
               <a:t>마스터 텍스트 스타일을 편집합니다</a:t>
             </a:r>
           </a:p>
           <a:p>
             <a:pPr lvl="1"/>
             <a:r>
-              <a:rPr lang="ko-KR" altLang="en-US" smtClean="0"/>
+              <a:rPr lang="ko-KR" altLang="en-US"/>
               <a:t>둘째 수준</a:t>
             </a:r>
           </a:p>
           <a:p>
             <a:pPr lvl="2"/>
             <a:r>
-              <a:rPr lang="ko-KR" altLang="en-US" smtClean="0"/>
+              <a:rPr lang="ko-KR" altLang="en-US"/>
               <a:t>셋째 수준</a:t>
             </a:r>
           </a:p>
           <a:p>
             <a:pPr lvl="3"/>
             <a:r>
-              <a:rPr lang="ko-KR" altLang="en-US" smtClean="0"/>
+              <a:rPr lang="ko-KR" altLang="en-US"/>
               <a:t>넷째 수준</a:t>
             </a:r>
           </a:p>
           <a:p>
             <a:pPr lvl="4"/>
             <a:r>
-              <a:rPr lang="ko-KR" altLang="en-US" smtClean="0"/>
+              <a:rPr lang="ko-KR" altLang="en-US"/>
               <a:t>다섯째 수준</a:t>
             </a:r>
-            <a:endParaRPr lang="ko-KR" altLang="en-US"/>
           </a:p>
         </p:txBody>
       </p:sp>
@@ -2050,7 +2014,7 @@
           <a:p>
             <a:pPr lvl="0"/>
             <a:r>
-              <a:rPr lang="ko-KR" altLang="en-US" smtClean="0"/>
+              <a:rPr lang="ko-KR" altLang="en-US"/>
               <a:t>마스터 텍스트 스타일을 편집합니다</a:t>
             </a:r>
           </a:p>
@@ -2106,38 +2070,37 @@
           <a:p>
             <a:pPr lvl="0"/>
             <a:r>
-              <a:rPr lang="ko-KR" altLang="en-US" smtClean="0"/>
+              <a:rPr lang="ko-KR" altLang="en-US"/>
               <a:t>마스터 텍스트 스타일을 편집합니다</a:t>
             </a:r>
           </a:p>
           <a:p>
             <a:pPr lvl="1"/>
             <a:r>
-              <a:rPr lang="ko-KR" altLang="en-US" smtClean="0"/>
+              <a:rPr lang="ko-KR" altLang="en-US"/>
               <a:t>둘째 수준</a:t>
             </a:r>
           </a:p>
           <a:p>
             <a:pPr lvl="2"/>
             <a:r>
-              <a:rPr lang="ko-KR" altLang="en-US" smtClean="0"/>
+              <a:rPr lang="ko-KR" altLang="en-US"/>
               <a:t>셋째 수준</a:t>
             </a:r>
           </a:p>
           <a:p>
             <a:pPr lvl="3"/>
             <a:r>
-              <a:rPr lang="ko-KR" altLang="en-US" smtClean="0"/>
+              <a:rPr lang="ko-KR" altLang="en-US"/>
               <a:t>넷째 수준</a:t>
             </a:r>
           </a:p>
           <a:p>
             <a:pPr lvl="4"/>
             <a:r>
-              <a:rPr lang="ko-KR" altLang="en-US" smtClean="0"/>
+              <a:rPr lang="ko-KR" altLang="en-US"/>
               <a:t>다섯째 수준</a:t>
             </a:r>
-            <a:endParaRPr lang="ko-KR" altLang="en-US"/>
           </a:p>
         </p:txBody>
       </p:sp>
@@ -2158,7 +2121,7 @@
           <a:p>
             <a:fld id="{01961C1A-FB28-4B82-9288-9105E654905F}" type="datetime1">
               <a:rPr lang="ko-KR" altLang="en-US" smtClean="0"/>
-              <a:t>2017-04-02</a:t>
+              <a:t>2019-01-16</a:t>
             </a:fld>
             <a:endParaRPr lang="ko-KR" altLang="en-US"/>
           </a:p>
@@ -2247,10 +2210,9 @@
           <a:lstStyle/>
           <a:p>
             <a:r>
-              <a:rPr lang="ko-KR" altLang="en-US" smtClean="0"/>
+              <a:rPr lang="ko-KR" altLang="en-US"/>
               <a:t>마스터 제목 스타일 편집</a:t>
             </a:r>
-            <a:endParaRPr lang="ko-KR" altLang="en-US"/>
           </a:p>
         </p:txBody>
       </p:sp>
@@ -2271,7 +2233,7 @@
           <a:p>
             <a:fld id="{94937D1B-284B-4C4A-8143-F7FF4ED51637}" type="datetime1">
               <a:rPr lang="ko-KR" altLang="en-US" smtClean="0"/>
-              <a:t>2017-04-02</a:t>
+              <a:t>2019-01-16</a:t>
             </a:fld>
             <a:endParaRPr lang="ko-KR" altLang="en-US"/>
           </a:p>
@@ -2361,7 +2323,7 @@
           <a:p>
             <a:fld id="{8D022CCC-3C78-47DE-AFAE-98CE1C3333F5}" type="datetime1">
               <a:rPr lang="ko-KR" altLang="en-US" smtClean="0"/>
-              <a:t>2017-04-02</a:t>
+              <a:t>2019-01-16</a:t>
             </a:fld>
             <a:endParaRPr lang="ko-KR" altLang="en-US"/>
           </a:p>
@@ -2459,10 +2421,9 @@
           </a:lstStyle>
           <a:p>
             <a:r>
-              <a:rPr lang="ko-KR" altLang="en-US" smtClean="0"/>
+              <a:rPr lang="ko-KR" altLang="en-US"/>
               <a:t>마스터 제목 스타일 편집</a:t>
             </a:r>
-            <a:endParaRPr lang="ko-KR" altLang="en-US"/>
           </a:p>
         </p:txBody>
       </p:sp>
@@ -2516,38 +2477,37 @@
           <a:p>
             <a:pPr lvl="0"/>
             <a:r>
-              <a:rPr lang="ko-KR" altLang="en-US" smtClean="0"/>
+              <a:rPr lang="ko-KR" altLang="en-US"/>
               <a:t>마스터 텍스트 스타일을 편집합니다</a:t>
             </a:r>
           </a:p>
           <a:p>
             <a:pPr lvl="1"/>
             <a:r>
-              <a:rPr lang="ko-KR" altLang="en-US" smtClean="0"/>
+              <a:rPr lang="ko-KR" altLang="en-US"/>
               <a:t>둘째 수준</a:t>
             </a:r>
           </a:p>
           <a:p>
             <a:pPr lvl="2"/>
             <a:r>
-              <a:rPr lang="ko-KR" altLang="en-US" smtClean="0"/>
+              <a:rPr lang="ko-KR" altLang="en-US"/>
               <a:t>셋째 수준</a:t>
             </a:r>
           </a:p>
           <a:p>
             <a:pPr lvl="3"/>
             <a:r>
-              <a:rPr lang="ko-KR" altLang="en-US" smtClean="0"/>
+              <a:rPr lang="ko-KR" altLang="en-US"/>
               <a:t>넷째 수준</a:t>
             </a:r>
           </a:p>
           <a:p>
             <a:pPr lvl="4"/>
             <a:r>
-              <a:rPr lang="ko-KR" altLang="en-US" smtClean="0"/>
+              <a:rPr lang="ko-KR" altLang="en-US"/>
               <a:t>다섯째 수준</a:t>
             </a:r>
-            <a:endParaRPr lang="ko-KR" altLang="en-US"/>
           </a:p>
         </p:txBody>
       </p:sp>
@@ -2610,7 +2570,7 @@
           <a:p>
             <a:pPr lvl="0"/>
             <a:r>
-              <a:rPr lang="ko-KR" altLang="en-US" smtClean="0"/>
+              <a:rPr lang="ko-KR" altLang="en-US"/>
               <a:t>마스터 텍스트 스타일을 편집합니다</a:t>
             </a:r>
           </a:p>
@@ -2633,7 +2593,7 @@
           <a:p>
             <a:fld id="{448ADC24-6590-49A2-999E-124601EA945E}" type="datetime1">
               <a:rPr lang="ko-KR" altLang="en-US" smtClean="0"/>
-              <a:t>2017-04-02</a:t>
+              <a:t>2019-01-16</a:t>
             </a:fld>
             <a:endParaRPr lang="ko-KR" altLang="en-US"/>
           </a:p>
@@ -2731,10 +2691,9 @@
           </a:lstStyle>
           <a:p>
             <a:r>
-              <a:rPr lang="ko-KR" altLang="en-US" smtClean="0"/>
+              <a:rPr lang="ko-KR" altLang="en-US"/>
               <a:t>마스터 제목 스타일 편집</a:t>
             </a:r>
-            <a:endParaRPr lang="ko-KR" altLang="en-US"/>
           </a:p>
         </p:txBody>
       </p:sp>
@@ -2858,7 +2817,7 @@
           <a:p>
             <a:pPr lvl="0"/>
             <a:r>
-              <a:rPr lang="ko-KR" altLang="en-US" smtClean="0"/>
+              <a:rPr lang="ko-KR" altLang="en-US"/>
               <a:t>마스터 텍스트 스타일을 편집합니다</a:t>
             </a:r>
           </a:p>
@@ -2881,7 +2840,7 @@
           <a:p>
             <a:fld id="{95705096-987C-4FE3-AD5C-136468AC0F33}" type="datetime1">
               <a:rPr lang="ko-KR" altLang="en-US" smtClean="0"/>
-              <a:t>2017-04-02</a:t>
+              <a:t>2019-01-16</a:t>
             </a:fld>
             <a:endParaRPr lang="ko-KR" altLang="en-US"/>
           </a:p>
@@ -2985,10 +2944,9 @@
           <a:lstStyle/>
           <a:p>
             <a:r>
-              <a:rPr lang="ko-KR" altLang="en-US" smtClean="0"/>
+              <a:rPr lang="ko-KR" altLang="en-US"/>
               <a:t>마스터 제목 스타일 편집</a:t>
             </a:r>
-            <a:endParaRPr lang="ko-KR" altLang="en-US"/>
           </a:p>
         </p:txBody>
       </p:sp>
@@ -3019,38 +2977,37 @@
           <a:p>
             <a:pPr lvl="0"/>
             <a:r>
-              <a:rPr lang="ko-KR" altLang="en-US" smtClean="0"/>
+              <a:rPr lang="ko-KR" altLang="en-US"/>
               <a:t>마스터 텍스트 스타일을 편집합니다</a:t>
             </a:r>
           </a:p>
           <a:p>
             <a:pPr lvl="1"/>
             <a:r>
-              <a:rPr lang="ko-KR" altLang="en-US" smtClean="0"/>
+              <a:rPr lang="ko-KR" altLang="en-US"/>
               <a:t>둘째 수준</a:t>
             </a:r>
           </a:p>
           <a:p>
             <a:pPr lvl="2"/>
             <a:r>
-              <a:rPr lang="ko-KR" altLang="en-US" smtClean="0"/>
+              <a:rPr lang="ko-KR" altLang="en-US"/>
               <a:t>셋째 수준</a:t>
             </a:r>
           </a:p>
           <a:p>
             <a:pPr lvl="3"/>
             <a:r>
-              <a:rPr lang="ko-KR" altLang="en-US" smtClean="0"/>
+              <a:rPr lang="ko-KR" altLang="en-US"/>
               <a:t>넷째 수준</a:t>
             </a:r>
           </a:p>
           <a:p>
             <a:pPr lvl="4"/>
             <a:r>
-              <a:rPr lang="ko-KR" altLang="en-US" smtClean="0"/>
+              <a:rPr lang="ko-KR" altLang="en-US"/>
               <a:t>다섯째 수준</a:t>
             </a:r>
-            <a:endParaRPr lang="ko-KR" altLang="en-US"/>
           </a:p>
         </p:txBody>
       </p:sp>
@@ -3089,7 +3046,7 @@
           <a:p>
             <a:fld id="{3AF1B4EC-F934-4CC4-A9FD-F67AEFB87E01}" type="datetime1">
               <a:rPr lang="ko-KR" altLang="en-US" smtClean="0"/>
-              <a:t>2017-04-02</a:t>
+              <a:t>2019-01-16</a:t>
             </a:fld>
             <a:endParaRPr lang="ko-KR" altLang="en-US"/>
           </a:p>
@@ -3197,7 +3154,7 @@
           <a:lstStyle/>
           <a:p>
             <a:r>
-              <a:rPr lang="en-US" altLang="ko-KR" sz="1200" dirty="0" smtClean="0">
+              <a:rPr lang="en-US" altLang="ko-KR" sz="1200" dirty="0">
                 <a:solidFill>
                   <a:schemeClr val="bg1">
                     <a:lumMod val="50000"/>
@@ -3232,13 +3189,6 @@
     <p:sldLayoutId id="2147483658" r:id="rId10"/>
     <p:sldLayoutId id="2147483659" r:id="rId11"/>
   </p:sldLayoutIdLst>
-  <p:timing>
-    <p:tnLst>
-      <p:par>
-        <p:cTn id="1" dur="indefinite" restart="never" nodeType="tmRoot"/>
-      </p:par>
-    </p:tnLst>
-  </p:timing>
   <p:hf hdr="0" ftr="0" dt="0"/>
   <p:txStyles>
     <p:titleStyle>
@@ -3528,7 +3478,7 @@
           <a:lstStyle/>
           <a:p>
             <a:r>
-              <a:rPr lang="en-US" altLang="ko-KR" dirty="0" smtClean="0"/>
+              <a:rPr lang="en-US" altLang="ko-KR" dirty="0"/>
               <a:t>Software I/O Virtualization</a:t>
             </a:r>
             <a:endParaRPr lang="ko-KR" altLang="en-US" dirty="0"/>
@@ -3558,14 +3508,9 @@
               </a:lnSpc>
             </a:pPr>
             <a:r>
-              <a:rPr lang="en-US" altLang="ko-KR" sz="1600" b="1" dirty="0" smtClean="0"/>
-              <a:t>Software </a:t>
-            </a:r>
-            <a:r>
               <a:rPr lang="en-US" altLang="ko-KR" sz="1600" b="1" dirty="0"/>
-              <a:t>I/O Virtualization = I/O Device Emulation</a:t>
-            </a:r>
-            <a:endParaRPr lang="en-US" altLang="ko-KR" sz="1600" b="1" dirty="0" smtClean="0"/>
+              <a:t>Software I/O Virtualization = I/O Device Emulation</a:t>
+            </a:r>
           </a:p>
           <a:p>
             <a:pPr>
@@ -3574,50 +3519,49 @@
               </a:lnSpc>
             </a:pPr>
             <a:r>
-              <a:rPr lang="en-US" altLang="ko-KR" sz="1600" dirty="0" smtClean="0"/>
+              <a:rPr lang="en-US" altLang="ko-KR" sz="1600" dirty="0"/>
               <a:t>Hypervisor</a:t>
             </a:r>
             <a:r>
-              <a:rPr lang="ko-KR" altLang="en-US" sz="1600" dirty="0" smtClean="0"/>
+              <a:rPr lang="ko-KR" altLang="en-US" sz="1600" dirty="0"/>
               <a:t>는 </a:t>
             </a:r>
             <a:r>
-              <a:rPr lang="en-US" altLang="ko-KR" sz="1600" dirty="0" smtClean="0"/>
+              <a:rPr lang="en-US" altLang="ko-KR" sz="1600" dirty="0"/>
               <a:t>Emulation</a:t>
             </a:r>
             <a:r>
-              <a:rPr lang="ko-KR" altLang="en-US" sz="1600" dirty="0" smtClean="0"/>
+              <a:rPr lang="ko-KR" altLang="en-US" sz="1600" dirty="0"/>
               <a:t>을 통해 가상 </a:t>
             </a:r>
             <a:r>
-              <a:rPr lang="en-US" altLang="ko-KR" sz="1600" dirty="0" smtClean="0"/>
+              <a:rPr lang="en-US" altLang="ko-KR" sz="1600" dirty="0"/>
               <a:t>I/O </a:t>
             </a:r>
             <a:r>
-              <a:rPr lang="ko-KR" altLang="en-US" sz="1600" dirty="0" smtClean="0"/>
+              <a:rPr lang="ko-KR" altLang="en-US" sz="1600" dirty="0"/>
               <a:t>장치를</a:t>
             </a:r>
             <a:r>
-              <a:rPr lang="en-US" altLang="ko-KR" sz="1600" dirty="0" smtClean="0"/>
+              <a:rPr lang="en-US" altLang="ko-KR" sz="1600" dirty="0"/>
               <a:t> </a:t>
             </a:r>
             <a:r>
-              <a:rPr lang="ko-KR" altLang="en-US" sz="1600" dirty="0" smtClean="0"/>
+              <a:rPr lang="ko-KR" altLang="en-US" sz="1600" dirty="0"/>
               <a:t>생성하고 가상 </a:t>
             </a:r>
             <a:r>
-              <a:rPr lang="ko-KR" altLang="en-US" sz="1600" dirty="0" err="1" smtClean="0"/>
+              <a:rPr lang="ko-KR" altLang="en-US" sz="1600" dirty="0" err="1"/>
               <a:t>머신에게</a:t>
             </a:r>
             <a:r>
-              <a:rPr lang="ko-KR" altLang="en-US" sz="1600" dirty="0" smtClean="0"/>
+              <a:rPr lang="ko-KR" altLang="en-US" sz="1600" dirty="0"/>
               <a:t> 제공한다</a:t>
             </a:r>
             <a:r>
-              <a:rPr lang="en-US" altLang="ko-KR" sz="1600" dirty="0" smtClean="0"/>
+              <a:rPr lang="en-US" altLang="ko-KR" sz="1600" dirty="0"/>
               <a:t>.</a:t>
             </a:r>
-            <a:endParaRPr lang="en-US" altLang="ko-KR" sz="1600" dirty="0"/>
           </a:p>
           <a:p>
             <a:pPr>
@@ -3626,22 +3570,22 @@
               </a:lnSpc>
             </a:pPr>
             <a:r>
-              <a:rPr lang="en-US" altLang="ko-KR" sz="1600" dirty="0" smtClean="0"/>
+              <a:rPr lang="en-US" altLang="ko-KR" sz="1600" dirty="0"/>
               <a:t>Full-</a:t>
             </a:r>
             <a:r>
-              <a:rPr lang="en-US" altLang="ko-KR" sz="1600" dirty="0" err="1" smtClean="0"/>
+              <a:rPr lang="en-US" altLang="ko-KR" sz="1600" dirty="0" err="1"/>
               <a:t>Virtualiztion</a:t>
             </a:r>
             <a:r>
-              <a:rPr lang="en-US" altLang="ko-KR" sz="1600" dirty="0" smtClean="0"/>
+              <a:rPr lang="en-US" altLang="ko-KR" sz="1600" dirty="0"/>
               <a:t> / </a:t>
             </a:r>
             <a:r>
-              <a:rPr lang="en-US" altLang="ko-KR" sz="1600" dirty="0" err="1" smtClean="0"/>
+              <a:rPr lang="en-US" altLang="ko-KR" sz="1600" dirty="0" err="1"/>
               <a:t>Paravirtualization</a:t>
             </a:r>
-            <a:endParaRPr lang="en-US" altLang="ko-KR" sz="1600" dirty="0" smtClean="0"/>
+            <a:endParaRPr lang="en-US" altLang="ko-KR" sz="1600" dirty="0"/>
           </a:p>
           <a:p>
             <a:endParaRPr lang="ko-KR" altLang="en-US" sz="2400" dirty="0"/>
@@ -3685,7 +3629,7 @@
           <a:p>
             <a:pPr algn="ctr"/>
             <a:r>
-              <a:rPr lang="en-US" altLang="ko-KR" sz="1400" dirty="0" smtClean="0"/>
+              <a:rPr lang="en-US" altLang="ko-KR" sz="1400" dirty="0"/>
               <a:t>Hypervisor</a:t>
             </a:r>
             <a:endParaRPr lang="ko-KR" altLang="en-US" sz="1400" dirty="0"/>
@@ -3729,7 +3673,7 @@
           <a:p>
             <a:pPr algn="ctr"/>
             <a:r>
-              <a:rPr lang="en-US" altLang="ko-KR" sz="1400" dirty="0" smtClean="0"/>
+              <a:rPr lang="en-US" altLang="ko-KR" sz="1400" dirty="0"/>
               <a:t>Device</a:t>
             </a:r>
             <a:endParaRPr lang="ko-KR" altLang="en-US" sz="1400" dirty="0"/>
@@ -3773,7 +3717,7 @@
           <a:p>
             <a:pPr algn="ctr"/>
             <a:r>
-              <a:rPr lang="en-US" altLang="ko-KR" sz="1400" dirty="0" smtClean="0"/>
+              <a:rPr lang="en-US" altLang="ko-KR" sz="1400" dirty="0"/>
               <a:t>Device Driver</a:t>
             </a:r>
             <a:endParaRPr lang="ko-KR" altLang="en-US" sz="1400" dirty="0"/>
@@ -3824,7 +3768,7 @@
           <a:p>
             <a:pPr algn="ctr"/>
             <a:r>
-              <a:rPr lang="en-US" altLang="ko-KR" sz="1400" b="1" dirty="0" smtClean="0">
+              <a:rPr lang="en-US" altLang="ko-KR" sz="1400" b="1" dirty="0">
                 <a:solidFill>
                   <a:schemeClr val="accent2">
                     <a:lumMod val="75000"/>
@@ -3880,7 +3824,7 @@
           <a:p>
             <a:pPr algn="ctr"/>
             <a:r>
-              <a:rPr lang="en-US" altLang="ko-KR" sz="1400" dirty="0" smtClean="0"/>
+              <a:rPr lang="en-US" altLang="ko-KR" sz="1400" dirty="0"/>
               <a:t>VM</a:t>
             </a:r>
             <a:endParaRPr lang="ko-KR" altLang="en-US" sz="1400" dirty="0"/>
@@ -3924,7 +3868,7 @@
           <a:p>
             <a:pPr algn="ctr"/>
             <a:r>
-              <a:rPr lang="en-US" altLang="ko-KR" sz="1400" dirty="0" smtClean="0"/>
+              <a:rPr lang="en-US" altLang="ko-KR" sz="1400" dirty="0"/>
               <a:t>VM</a:t>
             </a:r>
             <a:endParaRPr lang="ko-KR" altLang="en-US" sz="1400" dirty="0"/>
@@ -3968,18 +3912,14 @@
           <a:p>
             <a:pPr algn="ctr"/>
             <a:r>
-              <a:rPr lang="en-US" altLang="ko-KR" sz="1400" b="1" dirty="0" smtClean="0"/>
+              <a:rPr lang="en-US" altLang="ko-KR" sz="1400" b="1" dirty="0"/>
               <a:t>Unmodified</a:t>
-            </a:r>
-            <a:r>
-              <a:rPr lang="en-US" altLang="ko-KR" sz="1400" dirty="0"/>
-              <a:t/>
             </a:r>
             <a:br>
               <a:rPr lang="en-US" altLang="ko-KR" sz="1400" dirty="0"/>
             </a:br>
             <a:r>
-              <a:rPr lang="en-US" altLang="ko-KR" sz="1400" dirty="0" smtClean="0"/>
+              <a:rPr lang="en-US" altLang="ko-KR" sz="1400" dirty="0"/>
               <a:t>Device Driver</a:t>
             </a:r>
             <a:endParaRPr lang="ko-KR" altLang="en-US" sz="1400" dirty="0"/>
@@ -4024,14 +3964,10 @@
             <a:pPr algn="ctr"/>
             <a:r>
               <a:rPr lang="en-US" altLang="ko-KR" sz="1400" b="1" dirty="0"/>
-              <a:t>M</a:t>
-            </a:r>
-            <a:r>
-              <a:rPr lang="en-US" altLang="ko-KR" sz="1400" b="1" dirty="0" smtClean="0"/>
-              <a:t>odified</a:t>
-            </a:r>
-            <a:r>
-              <a:rPr lang="en-US" altLang="ko-KR" sz="1400" dirty="0" smtClean="0"/>
+              <a:t>Modified</a:t>
+            </a:r>
+            <a:r>
+              <a:rPr lang="en-US" altLang="ko-KR" sz="1400" dirty="0"/>
               <a:t> Device Driver</a:t>
             </a:r>
             <a:endParaRPr lang="ko-KR" altLang="en-US" sz="1400" dirty="0"/>
@@ -4075,7 +4011,7 @@
           <a:p>
             <a:pPr algn="ctr"/>
             <a:r>
-              <a:rPr lang="en-US" altLang="ko-KR" sz="1400" dirty="0" smtClean="0"/>
+              <a:rPr lang="en-US" altLang="ko-KR" sz="1400" dirty="0"/>
               <a:t>Trap Handler</a:t>
             </a:r>
             <a:endParaRPr lang="ko-KR" altLang="en-US" sz="1400" dirty="0"/>
@@ -4304,7 +4240,7 @@
           <a:p>
             <a:pPr algn="ctr"/>
             <a:r>
-              <a:rPr lang="en-US" altLang="ko-KR" sz="1200" dirty="0" smtClean="0"/>
+              <a:rPr lang="en-US" altLang="ko-KR" sz="1200" dirty="0"/>
               <a:t>Exception</a:t>
             </a:r>
             <a:endParaRPr lang="ko-KR" altLang="en-US" sz="1200" dirty="0"/>
@@ -4357,18 +4293,18 @@
           <a:p>
             <a:pPr algn="ctr"/>
             <a:r>
-              <a:rPr lang="en-US" altLang="ko-KR" sz="1200" dirty="0" err="1" smtClean="0"/>
+              <a:rPr lang="en-US" altLang="ko-KR" sz="1200" dirty="0" err="1"/>
               <a:t>Hypercall</a:t>
             </a:r>
             <a:r>
-              <a:rPr lang="en-US" altLang="ko-KR" sz="1200" dirty="0" smtClean="0"/>
+              <a:rPr lang="en-US" altLang="ko-KR" sz="1200" dirty="0"/>
               <a:t> /</a:t>
             </a:r>
           </a:p>
           <a:p>
             <a:pPr algn="ctr"/>
             <a:r>
-              <a:rPr lang="en-US" altLang="ko-KR" sz="1200" dirty="0" smtClean="0"/>
+              <a:rPr lang="en-US" altLang="ko-KR" sz="1200" dirty="0"/>
               <a:t>Exception</a:t>
             </a:r>
             <a:endParaRPr lang="ko-KR" altLang="en-US" sz="1200" dirty="0"/>
@@ -4408,13 +4344,6 @@
   <p:clrMapOvr>
     <a:masterClrMapping/>
   </p:clrMapOvr>
-  <p:timing>
-    <p:tnLst>
-      <p:par>
-        <p:cTn id="1" dur="indefinite" restart="never" nodeType="tmRoot"/>
-      </p:par>
-    </p:tnLst>
-  </p:timing>
 </p:sld>
 </file>
 
@@ -4453,35 +4382,35 @@
           <a:lstStyle/>
           <a:p>
             <a:r>
-              <a:rPr lang="en-US" altLang="ko-KR" sz="3200" dirty="0" smtClean="0"/>
+              <a:rPr lang="en-US" altLang="ko-KR" sz="3200" dirty="0"/>
               <a:t>KVM + QEMU + </a:t>
             </a:r>
             <a:r>
-              <a:rPr lang="en-US" altLang="ko-KR" sz="3200" dirty="0" err="1" smtClean="0"/>
+              <a:rPr lang="en-US" altLang="ko-KR" sz="3200" dirty="0" err="1"/>
               <a:t>virtio</a:t>
             </a:r>
             <a:r>
-              <a:rPr lang="en-US" altLang="ko-KR" sz="3200" dirty="0" smtClean="0"/>
+              <a:rPr lang="en-US" altLang="ko-KR" sz="3200" dirty="0"/>
               <a:t>-net + </a:t>
             </a:r>
             <a:r>
-              <a:rPr lang="en-US" altLang="ko-KR" sz="3200" dirty="0" err="1" smtClean="0"/>
+              <a:rPr lang="en-US" altLang="ko-KR" sz="3200" dirty="0" err="1"/>
               <a:t>virtio-scsi</a:t>
             </a:r>
             <a:r>
-              <a:rPr lang="en-US" altLang="ko-KR" sz="3200" dirty="0" smtClean="0"/>
+              <a:rPr lang="en-US" altLang="ko-KR" sz="3200" dirty="0"/>
               <a:t> + </a:t>
             </a:r>
             <a:r>
-              <a:rPr lang="en-US" altLang="ko-KR" sz="3200" dirty="0" err="1" smtClean="0"/>
+              <a:rPr lang="en-US" altLang="ko-KR" sz="3200" dirty="0" err="1"/>
               <a:t>vhost</a:t>
             </a:r>
             <a:r>
-              <a:rPr lang="en-US" altLang="ko-KR" sz="3200" dirty="0" smtClean="0"/>
+              <a:rPr lang="en-US" altLang="ko-KR" sz="3200" dirty="0"/>
               <a:t>-net + </a:t>
             </a:r>
             <a:r>
-              <a:rPr lang="en-US" altLang="ko-KR" sz="3200" dirty="0" err="1" smtClean="0"/>
+              <a:rPr lang="en-US" altLang="ko-KR" sz="3200" dirty="0" err="1"/>
               <a:t>vhost-scsi</a:t>
             </a:r>
             <a:endParaRPr lang="ko-KR" altLang="en-US" sz="3200" dirty="0"/>
@@ -4555,7 +4484,7 @@
           <a:p>
             <a:pPr algn="ctr"/>
             <a:r>
-              <a:rPr lang="en-US" altLang="ko-KR" sz="1200" dirty="0" smtClean="0"/>
+              <a:rPr lang="en-US" altLang="ko-KR" sz="1200" dirty="0"/>
               <a:t>CPU (KVM)</a:t>
             </a:r>
             <a:endParaRPr lang="ko-KR" altLang="en-US" sz="1200" dirty="0"/>
@@ -4599,14 +4528,14 @@
           <a:p>
             <a:pPr algn="ctr"/>
             <a:r>
-              <a:rPr lang="en-US" altLang="ko-KR" sz="1200" dirty="0" smtClean="0"/>
+              <a:rPr lang="en-US" altLang="ko-KR" sz="1200" dirty="0"/>
               <a:t>PCI Host bridge</a:t>
             </a:r>
           </a:p>
           <a:p>
             <a:pPr algn="ctr"/>
             <a:r>
-              <a:rPr lang="en-US" altLang="ko-KR" sz="1200" dirty="0" smtClean="0"/>
+              <a:rPr lang="en-US" altLang="ko-KR" sz="1200" dirty="0"/>
               <a:t>(QEMU)</a:t>
             </a:r>
             <a:endParaRPr lang="ko-KR" altLang="en-US" sz="1200" dirty="0"/>
@@ -4650,15 +4579,15 @@
           <a:p>
             <a:pPr algn="ctr"/>
             <a:r>
-              <a:rPr lang="en-US" altLang="ko-KR" sz="1200" dirty="0" smtClean="0"/>
+              <a:rPr lang="en-US" altLang="ko-KR" sz="1200" dirty="0"/>
               <a:t>NIC (</a:t>
             </a:r>
             <a:r>
-              <a:rPr lang="en-US" altLang="ko-KR" sz="1200" dirty="0" err="1" smtClean="0"/>
+              <a:rPr lang="en-US" altLang="ko-KR" sz="1200" dirty="0" err="1"/>
               <a:t>virtio</a:t>
             </a:r>
             <a:r>
-              <a:rPr lang="en-US" altLang="ko-KR" sz="1200" dirty="0" smtClean="0"/>
+              <a:rPr lang="en-US" altLang="ko-KR" sz="1200" dirty="0"/>
               <a:t>-net)</a:t>
             </a:r>
             <a:endParaRPr lang="ko-KR" altLang="en-US" sz="1200" dirty="0"/>
@@ -4798,7 +4727,7 @@
           <a:p>
             <a:pPr algn="ctr"/>
             <a:r>
-              <a:rPr lang="en-US" altLang="ko-KR" sz="1200" dirty="0" smtClean="0"/>
+              <a:rPr lang="en-US" altLang="ko-KR" sz="1200" dirty="0"/>
               <a:t>PCI BUS0</a:t>
             </a:r>
             <a:endParaRPr lang="ko-KR" altLang="en-US" sz="1200" dirty="0"/>
@@ -4842,15 +4771,15 @@
           <a:p>
             <a:pPr algn="ctr"/>
             <a:r>
-              <a:rPr lang="en-US" altLang="ko-KR" sz="1200" dirty="0" smtClean="0"/>
+              <a:rPr lang="en-US" altLang="ko-KR" sz="1200" dirty="0"/>
               <a:t>SCSI Controller (</a:t>
             </a:r>
             <a:r>
-              <a:rPr lang="en-US" altLang="ko-KR" sz="1200" dirty="0" err="1" smtClean="0"/>
+              <a:rPr lang="en-US" altLang="ko-KR" sz="1200" dirty="0" err="1"/>
               <a:t>virtio-scsi</a:t>
             </a:r>
             <a:r>
-              <a:rPr lang="en-US" altLang="ko-KR" sz="1200" dirty="0" smtClean="0"/>
+              <a:rPr lang="en-US" altLang="ko-KR" sz="1200" dirty="0"/>
               <a:t>)</a:t>
             </a:r>
             <a:endParaRPr lang="ko-KR" altLang="en-US" sz="1200" dirty="0"/>
@@ -4969,7 +4898,7 @@
           <a:p>
             <a:pPr algn="ctr"/>
             <a:r>
-              <a:rPr lang="en-US" altLang="ko-KR" sz="1200" dirty="0" smtClean="0"/>
+              <a:rPr lang="en-US" altLang="ko-KR" sz="1200" dirty="0"/>
               <a:t>HDD (LIO)</a:t>
             </a:r>
             <a:endParaRPr lang="ko-KR" altLang="en-US" sz="1200" dirty="0"/>
@@ -5000,7 +4929,7 @@
           <a:p>
             <a:pPr algn="ctr"/>
             <a:r>
-              <a:rPr lang="en-US" altLang="ko-KR" sz="1200" dirty="0" smtClean="0"/>
+              <a:rPr lang="en-US" altLang="ko-KR" sz="1200" dirty="0"/>
               <a:t>SCSI Cable</a:t>
             </a:r>
             <a:endParaRPr lang="ko-KR" altLang="en-US" sz="1200" dirty="0"/>
@@ -5128,13 +5057,6 @@
   <p:clrMapOvr>
     <a:masterClrMapping/>
   </p:clrMapOvr>
-  <p:timing>
-    <p:tnLst>
-      <p:par>
-        <p:cTn id="1" dur="indefinite" restart="never" nodeType="tmRoot"/>
-      </p:par>
-    </p:tnLst>
-  </p:timing>
 </p:sld>
 </file>
 
@@ -5173,7 +5095,7 @@
           <a:lstStyle/>
           <a:p>
             <a:r>
-              <a:rPr lang="en-US" altLang="ko-KR" dirty="0" smtClean="0"/>
+              <a:rPr lang="en-US" altLang="ko-KR" dirty="0"/>
               <a:t>KVM + QEMU</a:t>
             </a:r>
             <a:endParaRPr lang="ko-KR" altLang="en-US" dirty="0"/>
@@ -5208,16 +5130,8 @@
               </a:lnSpc>
             </a:pPr>
             <a:r>
-              <a:rPr lang="en-US" altLang="ko-KR" sz="1600" dirty="0" smtClean="0"/>
-              <a:t>KVM - CPU Virtualization, </a:t>
-            </a:r>
-            <a:r>
               <a:rPr lang="en-US" altLang="ko-KR" sz="1600" dirty="0"/>
-              <a:t>Memory </a:t>
-            </a:r>
-            <a:r>
-              <a:rPr lang="en-US" altLang="ko-KR" sz="1600" dirty="0" smtClean="0"/>
-              <a:t>Virtualization</a:t>
+              <a:t>KVM - CPU Virtualization, Memory Virtualization</a:t>
             </a:r>
           </a:p>
           <a:p>
@@ -5227,10 +5141,9 @@
               </a:lnSpc>
             </a:pPr>
             <a:r>
-              <a:rPr lang="en-US" altLang="ko-KR" sz="1600" dirty="0" smtClean="0"/>
+              <a:rPr lang="en-US" altLang="ko-KR" sz="1600" dirty="0"/>
               <a:t>QEMU - I/O Full-virtualization</a:t>
             </a:r>
-            <a:endParaRPr lang="en-US" altLang="ko-KR" sz="1600" dirty="0"/>
           </a:p>
           <a:p>
             <a:pPr>
@@ -5279,7 +5192,7 @@
           <a:p>
             <a:pPr algn="ctr"/>
             <a:r>
-              <a:rPr lang="en-US" altLang="ko-KR" sz="1400" dirty="0" smtClean="0"/>
+              <a:rPr lang="en-US" altLang="ko-KR" sz="1400" dirty="0"/>
               <a:t>Linux Kernel</a:t>
             </a:r>
             <a:endParaRPr lang="ko-KR" altLang="en-US" sz="1400" dirty="0"/>
@@ -5323,7 +5236,7 @@
           <a:p>
             <a:pPr algn="ctr"/>
             <a:r>
-              <a:rPr lang="en-US" altLang="ko-KR" sz="1400" dirty="0" smtClean="0"/>
+              <a:rPr lang="en-US" altLang="ko-KR" sz="1400" dirty="0"/>
               <a:t>QEMU</a:t>
             </a:r>
             <a:endParaRPr lang="ko-KR" altLang="en-US" sz="1400" dirty="0"/>
@@ -5339,7 +5252,7 @@
         <p:spPr>
           <a:xfrm>
             <a:off x="1574138" y="3658736"/>
-            <a:ext cx="2997861" cy="295759"/>
+            <a:ext cx="5976661" cy="295759"/>
           </a:xfrm>
           <a:prstGeom prst="roundRect">
             <a:avLst>
@@ -5365,10 +5278,9 @@
           <a:bodyPr rtlCol="0" anchor="ctr"/>
           <a:lstStyle/>
           <a:p>
-            <a:pPr algn="ctr"/>
-            <a:r>
-              <a:rPr lang="en-US" altLang="ko-KR" sz="1400" dirty="0" err="1" smtClean="0"/>
-              <a:t>vCPU</a:t>
+            <a:r>
+              <a:rPr lang="en-US" altLang="ko-KR" sz="1400"/>
+              <a:t>            vCPU (Thread)            </a:t>
             </a:r>
             <a:endParaRPr lang="ko-KR" altLang="en-US" sz="1400" dirty="0"/>
           </a:p>
@@ -5411,7 +5323,7 @@
           <a:p>
             <a:pPr algn="ctr"/>
             <a:r>
-              <a:rPr lang="en-US" altLang="ko-KR" sz="1400" dirty="0" smtClean="0"/>
+              <a:rPr lang="en-US" altLang="ko-KR" sz="1400" dirty="0"/>
               <a:t>KVM Module</a:t>
             </a:r>
             <a:endParaRPr lang="ko-KR" altLang="en-US" sz="1400" dirty="0"/>
@@ -5455,7 +5367,7 @@
           <a:p>
             <a:pPr algn="ctr"/>
             <a:r>
-              <a:rPr lang="en-US" altLang="ko-KR" sz="1400" dirty="0" smtClean="0"/>
+              <a:rPr lang="en-US" altLang="ko-KR" sz="1400" dirty="0"/>
               <a:t>Device Driver</a:t>
             </a:r>
             <a:endParaRPr lang="ko-KR" altLang="en-US" sz="1400" dirty="0"/>
@@ -5499,7 +5411,7 @@
           <a:p>
             <a:pPr algn="ctr"/>
             <a:r>
-              <a:rPr lang="en-US" altLang="ko-KR" sz="1400" dirty="0" smtClean="0"/>
+              <a:rPr lang="en-US" altLang="ko-KR" sz="1400" dirty="0"/>
               <a:t>Device</a:t>
             </a:r>
             <a:endParaRPr lang="ko-KR" altLang="en-US" sz="1400" dirty="0"/>
@@ -5515,7 +5427,7 @@
         <p:spPr>
           <a:xfrm>
             <a:off x="1574138" y="2708920"/>
-            <a:ext cx="1877722" cy="864096"/>
+            <a:ext cx="2569428" cy="864096"/>
           </a:xfrm>
           <a:prstGeom prst="roundRect">
             <a:avLst>
@@ -5543,10 +5455,10 @@
           <a:p>
             <a:pPr algn="r"/>
             <a:r>
-              <a:rPr lang="en-US" altLang="ko-KR" sz="1200" dirty="0" smtClean="0"/>
+              <a:rPr lang="en-US" altLang="ko-KR" sz="1400" dirty="0"/>
               <a:t>Guest Kernel</a:t>
             </a:r>
-            <a:endParaRPr lang="ko-KR" altLang="en-US" sz="1200" dirty="0"/>
+            <a:endParaRPr lang="ko-KR" altLang="en-US" sz="1400" dirty="0"/>
           </a:p>
         </p:txBody>
       </p:sp>
@@ -5558,8 +5470,8 @@
         </p:nvSpPr>
         <p:spPr>
           <a:xfrm>
-            <a:off x="1718154" y="2842652"/>
-            <a:ext cx="1629710" cy="370324"/>
+            <a:off x="1718153" y="2842652"/>
+            <a:ext cx="2277769" cy="370324"/>
           </a:xfrm>
           <a:prstGeom prst="roundRect">
             <a:avLst>
@@ -5587,10 +5499,10 @@
           <a:p>
             <a:pPr algn="ctr"/>
             <a:r>
-              <a:rPr lang="en-US" altLang="ko-KR" sz="1200" dirty="0" smtClean="0"/>
+              <a:rPr lang="en-US" altLang="ko-KR" sz="1400" dirty="0"/>
               <a:t>Physical Device Driver</a:t>
             </a:r>
-            <a:endParaRPr lang="ko-KR" altLang="en-US" sz="1200" dirty="0"/>
+            <a:endParaRPr lang="ko-KR" altLang="en-US" sz="1400" dirty="0"/>
           </a:p>
         </p:txBody>
       </p:sp>
@@ -5673,7 +5585,7 @@
           <a:p>
             <a:pPr algn="ctr"/>
             <a:r>
-              <a:rPr lang="en-US" altLang="ko-KR" sz="1200" dirty="0" smtClean="0"/>
+              <a:rPr lang="en-US" altLang="ko-KR" sz="1200" dirty="0"/>
               <a:t>Exception</a:t>
             </a:r>
             <a:endParaRPr lang="ko-KR" altLang="en-US" sz="1200" dirty="0"/>
@@ -5792,75 +5704,58 @@
           <a:p>
             <a:pPr algn="ctr"/>
             <a:r>
-              <a:rPr lang="en-US" altLang="ko-KR" sz="1200" dirty="0" err="1" smtClean="0"/>
+              <a:rPr lang="en-US" altLang="ko-KR" sz="1200" dirty="0" err="1"/>
               <a:t>vIRQ</a:t>
             </a:r>
             <a:endParaRPr lang="ko-KR" altLang="en-US" sz="1200" dirty="0"/>
           </a:p>
         </p:txBody>
       </p:sp>
-      <p:sp>
-        <p:nvSpPr>
-          <p:cNvPr id="32" name="모서리가 둥근 직사각형 31"/>
+      <p:cxnSp>
+        <p:nvCxnSpPr>
+          <p:cNvPr id="34" name="직선 화살표 연결선 33"/>
+          <p:cNvCxnSpPr>
+            <a:cxnSpLocks/>
+          </p:cNvCxnSpPr>
+          <p:nvPr/>
+        </p:nvCxnSpPr>
+        <p:spPr>
+          <a:xfrm flipV="1">
+            <a:off x="4143566" y="2996952"/>
+            <a:ext cx="814948" cy="1811630"/>
+          </a:xfrm>
+          <a:prstGeom prst="straightConnector1">
+            <a:avLst/>
+          </a:prstGeom>
+          <a:ln w="19050">
+            <a:tailEnd type="arrow"/>
+          </a:ln>
+        </p:spPr>
+        <p:style>
+          <a:lnRef idx="1">
+            <a:schemeClr val="dk1"/>
+          </a:lnRef>
+          <a:fillRef idx="0">
+            <a:schemeClr val="dk1"/>
+          </a:fillRef>
+          <a:effectRef idx="0">
+            <a:schemeClr val="dk1"/>
+          </a:effectRef>
+          <a:fontRef idx="minor">
+            <a:schemeClr val="tx1"/>
+          </a:fontRef>
+        </p:style>
+      </p:cxnSp>
+      <p:sp>
+        <p:nvSpPr>
+          <p:cNvPr id="35" name="모서리가 둥근 직사각형 34"/>
           <p:cNvSpPr/>
           <p:nvPr/>
         </p:nvSpPr>
         <p:spPr>
           <a:xfrm>
-            <a:off x="4958514" y="3658736"/>
-            <a:ext cx="2592287" cy="295759"/>
-          </a:xfrm>
-          <a:prstGeom prst="roundRect">
-            <a:avLst>
-              <a:gd name="adj" fmla="val 12034"/>
-            </a:avLst>
-          </a:prstGeom>
-        </p:spPr>
-        <p:style>
-          <a:lnRef idx="2">
-            <a:schemeClr val="dk1"/>
-          </a:lnRef>
-          <a:fillRef idx="1">
-            <a:schemeClr val="lt1"/>
-          </a:fillRef>
-          <a:effectRef idx="0">
-            <a:schemeClr val="dk1"/>
-          </a:effectRef>
-          <a:fontRef idx="minor">
-            <a:schemeClr val="dk1"/>
-          </a:fontRef>
-        </p:style>
-        <p:txBody>
-          <a:bodyPr rtlCol="0" anchor="ctr"/>
-          <a:lstStyle/>
-          <a:p>
-            <a:pPr algn="ctr"/>
-            <a:r>
-              <a:rPr lang="en-US" altLang="ko-KR" sz="1400" smtClean="0"/>
-              <a:t>Main</a:t>
-            </a:r>
-            <a:r>
-              <a:rPr lang="en-US" altLang="ko-KR" sz="1400" smtClean="0"/>
-              <a:t> </a:t>
-            </a:r>
-            <a:r>
-              <a:rPr lang="en-US" altLang="ko-KR" sz="1400" dirty="0" smtClean="0"/>
-              <a:t>Loop</a:t>
-            </a:r>
-            <a:endParaRPr lang="ko-KR" altLang="en-US" sz="1400" dirty="0"/>
-          </a:p>
-        </p:txBody>
-      </p:sp>
-      <p:sp>
-        <p:nvSpPr>
-          <p:cNvPr id="33" name="모서리가 둥근 직사각형 32"/>
-          <p:cNvSpPr/>
-          <p:nvPr/>
-        </p:nvSpPr>
-        <p:spPr>
-          <a:xfrm>
-            <a:off x="3513996" y="2708920"/>
-            <a:ext cx="1058003" cy="864096"/>
+            <a:off x="4958514" y="2708920"/>
+            <a:ext cx="2592287" cy="864096"/>
           </a:xfrm>
           <a:prstGeom prst="roundRect">
             <a:avLst>
@@ -5888,7 +5783,7 @@
           <a:p>
             <a:pPr algn="ctr"/>
             <a:r>
-              <a:rPr lang="en-US" altLang="ko-KR" sz="1400" smtClean="0"/>
+              <a:rPr lang="en-US" altLang="ko-KR" sz="1400"/>
               <a:t>I/O Emulation</a:t>
             </a:r>
             <a:endParaRPr lang="ko-KR" altLang="en-US" sz="1400" dirty="0"/>
@@ -5897,16 +5792,16 @@
       </p:sp>
       <p:cxnSp>
         <p:nvCxnSpPr>
-          <p:cNvPr id="34" name="직선 화살표 연결선 33"/>
+          <p:cNvPr id="45" name="직선 화살표 연결선 44"/>
           <p:cNvCxnSpPr>
-            <a:endCxn id="33" idx="2"/>
+            <a:cxnSpLocks/>
           </p:cNvCxnSpPr>
           <p:nvPr/>
         </p:nvCxnSpPr>
         <p:spPr>
-          <a:xfrm flipV="1">
-            <a:off x="3851920" y="3573016"/>
-            <a:ext cx="191078" cy="971254"/>
+          <a:xfrm flipH="1">
+            <a:off x="4143566" y="3345562"/>
+            <a:ext cx="814948" cy="1811630"/>
           </a:xfrm>
           <a:prstGeom prst="straightConnector1">
             <a:avLst/>
@@ -5932,57 +5827,13 @@
       </p:cxnSp>
       <p:sp>
         <p:nvSpPr>
-          <p:cNvPr id="35" name="모서리가 둥근 직사각형 34"/>
+          <p:cNvPr id="54" name="모서리가 둥근 직사각형 53"/>
           <p:cNvSpPr/>
           <p:nvPr/>
         </p:nvSpPr>
         <p:spPr>
           <a:xfrm>
-            <a:off x="4958514" y="2708920"/>
-            <a:ext cx="2592287" cy="864096"/>
-          </a:xfrm>
-          <a:prstGeom prst="roundRect">
-            <a:avLst>
-              <a:gd name="adj" fmla="val 4748"/>
-            </a:avLst>
-          </a:prstGeom>
-        </p:spPr>
-        <p:style>
-          <a:lnRef idx="2">
-            <a:schemeClr val="dk1"/>
-          </a:lnRef>
-          <a:fillRef idx="1">
-            <a:schemeClr val="lt1"/>
-          </a:fillRef>
-          <a:effectRef idx="0">
-            <a:schemeClr val="dk1"/>
-          </a:effectRef>
-          <a:fontRef idx="minor">
-            <a:schemeClr val="dk1"/>
-          </a:fontRef>
-        </p:style>
-        <p:txBody>
-          <a:bodyPr rtlCol="0" anchor="ctr"/>
-          <a:lstStyle/>
-          <a:p>
-            <a:pPr algn="ctr"/>
-            <a:r>
-              <a:rPr lang="en-US" altLang="ko-KR" sz="1400" smtClean="0"/>
-              <a:t>I/O Emulation</a:t>
-            </a:r>
-            <a:endParaRPr lang="ko-KR" altLang="en-US" sz="1400" dirty="0"/>
-          </a:p>
-        </p:txBody>
-      </p:sp>
-      <p:sp>
-        <p:nvSpPr>
-          <p:cNvPr id="36" name="모서리가 둥근 직사각형 35"/>
-          <p:cNvSpPr/>
-          <p:nvPr/>
-        </p:nvSpPr>
-        <p:spPr>
-          <a:xfrm>
-            <a:off x="3408488" y="4343665"/>
+            <a:off x="4549233" y="3429000"/>
             <a:ext cx="886863" cy="237463"/>
           </a:xfrm>
           <a:prstGeom prst="roundRect">
@@ -6020,23 +5871,352 @@
           <a:p>
             <a:pPr algn="ctr"/>
             <a:r>
-              <a:rPr lang="en-US" altLang="ko-KR" sz="1200" dirty="0" smtClean="0"/>
-              <a:t>return</a:t>
+              <a:rPr lang="en-US" altLang="ko-KR" sz="1200"/>
+              <a:t>irqfd, </a:t>
             </a:r>
             <a:endParaRPr lang="ko-KR" altLang="en-US" sz="1200" dirty="0"/>
+          </a:p>
+        </p:txBody>
+      </p:sp>
+      <p:sp>
+        <p:nvSpPr>
+          <p:cNvPr id="46" name="타원 45"/>
+          <p:cNvSpPr/>
+          <p:nvPr/>
+        </p:nvSpPr>
+        <p:spPr>
+          <a:xfrm>
+            <a:off x="1722160" y="3828290"/>
+            <a:ext cx="216025" cy="216025"/>
+          </a:xfrm>
+          <a:prstGeom prst="ellipse">
+            <a:avLst/>
+          </a:prstGeom>
+          <a:solidFill>
+            <a:schemeClr val="bg1"/>
+          </a:solidFill>
+          <a:ln w="19050">
+            <a:solidFill>
+              <a:schemeClr val="tx1"/>
+            </a:solidFill>
+          </a:ln>
+        </p:spPr>
+        <p:style>
+          <a:lnRef idx="2">
+            <a:schemeClr val="accent1">
+              <a:shade val="50000"/>
+            </a:schemeClr>
+          </a:lnRef>
+          <a:fillRef idx="1">
+            <a:schemeClr val="accent1"/>
+          </a:fillRef>
+          <a:effectRef idx="0">
+            <a:schemeClr val="accent1"/>
+          </a:effectRef>
+          <a:fontRef idx="minor">
+            <a:schemeClr val="lt1"/>
+          </a:fontRef>
+        </p:style>
+        <p:txBody>
+          <a:bodyPr rtlCol="0" anchor="ctr"/>
+          <a:lstStyle/>
+          <a:p>
+            <a:pPr algn="ctr"/>
+            <a:r>
+              <a:rPr lang="en-US" altLang="ko-KR" sz="1200" dirty="0">
+                <a:solidFill>
+                  <a:sysClr val="windowText" lastClr="000000"/>
+                </a:solidFill>
+              </a:rPr>
+              <a:t>1</a:t>
+            </a:r>
+            <a:endParaRPr lang="ko-KR" altLang="en-US" sz="1200" dirty="0">
+              <a:solidFill>
+                <a:sysClr val="windowText" lastClr="000000"/>
+              </a:solidFill>
+            </a:endParaRPr>
+          </a:p>
+        </p:txBody>
+      </p:sp>
+      <p:sp>
+        <p:nvSpPr>
+          <p:cNvPr id="55" name="타원 54"/>
+          <p:cNvSpPr/>
+          <p:nvPr/>
+        </p:nvSpPr>
+        <p:spPr>
+          <a:xfrm>
+            <a:off x="4211959" y="4293096"/>
+            <a:ext cx="216025" cy="216025"/>
+          </a:xfrm>
+          <a:prstGeom prst="ellipse">
+            <a:avLst/>
+          </a:prstGeom>
+          <a:solidFill>
+            <a:schemeClr val="bg1"/>
+          </a:solidFill>
+          <a:ln w="19050">
+            <a:solidFill>
+              <a:schemeClr val="tx1"/>
+            </a:solidFill>
+          </a:ln>
+        </p:spPr>
+        <p:style>
+          <a:lnRef idx="2">
+            <a:schemeClr val="accent1">
+              <a:shade val="50000"/>
+            </a:schemeClr>
+          </a:lnRef>
+          <a:fillRef idx="1">
+            <a:schemeClr val="accent1"/>
+          </a:fillRef>
+          <a:effectRef idx="0">
+            <a:schemeClr val="accent1"/>
+          </a:effectRef>
+          <a:fontRef idx="minor">
+            <a:schemeClr val="lt1"/>
+          </a:fontRef>
+        </p:style>
+        <p:txBody>
+          <a:bodyPr rtlCol="0" anchor="ctr"/>
+          <a:lstStyle/>
+          <a:p>
+            <a:pPr algn="ctr"/>
+            <a:r>
+              <a:rPr lang="en-US" altLang="ko-KR" sz="1200" dirty="0">
+                <a:solidFill>
+                  <a:sysClr val="windowText" lastClr="000000"/>
+                </a:solidFill>
+              </a:rPr>
+              <a:t>2</a:t>
+            </a:r>
+            <a:endParaRPr lang="ko-KR" altLang="en-US" sz="1200" dirty="0">
+              <a:solidFill>
+                <a:sysClr val="windowText" lastClr="000000"/>
+              </a:solidFill>
+            </a:endParaRPr>
+          </a:p>
+        </p:txBody>
+      </p:sp>
+      <p:sp>
+        <p:nvSpPr>
+          <p:cNvPr id="60" name="타원 59"/>
+          <p:cNvSpPr/>
+          <p:nvPr/>
+        </p:nvSpPr>
+        <p:spPr>
+          <a:xfrm>
+            <a:off x="2161828" y="4084691"/>
+            <a:ext cx="216025" cy="216025"/>
+          </a:xfrm>
+          <a:prstGeom prst="ellipse">
+            <a:avLst/>
+          </a:prstGeom>
+          <a:solidFill>
+            <a:schemeClr val="bg1"/>
+          </a:solidFill>
+          <a:ln w="19050">
+            <a:solidFill>
+              <a:schemeClr val="tx1"/>
+            </a:solidFill>
+          </a:ln>
+        </p:spPr>
+        <p:style>
+          <a:lnRef idx="2">
+            <a:schemeClr val="accent1">
+              <a:shade val="50000"/>
+            </a:schemeClr>
+          </a:lnRef>
+          <a:fillRef idx="1">
+            <a:schemeClr val="accent1"/>
+          </a:fillRef>
+          <a:effectRef idx="0">
+            <a:schemeClr val="accent1"/>
+          </a:effectRef>
+          <a:fontRef idx="minor">
+            <a:schemeClr val="lt1"/>
+          </a:fontRef>
+        </p:style>
+        <p:txBody>
+          <a:bodyPr rtlCol="0" anchor="ctr"/>
+          <a:lstStyle/>
+          <a:p>
+            <a:pPr algn="ctr"/>
+            <a:r>
+              <a:rPr lang="en-US" altLang="ko-KR" sz="1200" dirty="0">
+                <a:solidFill>
+                  <a:sysClr val="windowText" lastClr="000000"/>
+                </a:solidFill>
+              </a:rPr>
+              <a:t>5</a:t>
+            </a:r>
+            <a:endParaRPr lang="ko-KR" altLang="en-US" sz="1200" dirty="0">
+              <a:solidFill>
+                <a:sysClr val="windowText" lastClr="000000"/>
+              </a:solidFill>
+            </a:endParaRPr>
+          </a:p>
+        </p:txBody>
+      </p:sp>
+      <p:sp>
+        <p:nvSpPr>
+          <p:cNvPr id="61" name="타원 60"/>
+          <p:cNvSpPr/>
+          <p:nvPr/>
+        </p:nvSpPr>
+        <p:spPr>
+          <a:xfrm>
+            <a:off x="2161828" y="3405376"/>
+            <a:ext cx="216025" cy="216025"/>
+          </a:xfrm>
+          <a:prstGeom prst="ellipse">
+            <a:avLst/>
+          </a:prstGeom>
+          <a:solidFill>
+            <a:schemeClr val="bg1"/>
+          </a:solidFill>
+          <a:ln w="19050">
+            <a:solidFill>
+              <a:schemeClr val="tx1"/>
+            </a:solidFill>
+          </a:ln>
+        </p:spPr>
+        <p:style>
+          <a:lnRef idx="2">
+            <a:schemeClr val="accent1">
+              <a:shade val="50000"/>
+            </a:schemeClr>
+          </a:lnRef>
+          <a:fillRef idx="1">
+            <a:schemeClr val="accent1"/>
+          </a:fillRef>
+          <a:effectRef idx="0">
+            <a:schemeClr val="accent1"/>
+          </a:effectRef>
+          <a:fontRef idx="minor">
+            <a:schemeClr val="lt1"/>
+          </a:fontRef>
+        </p:style>
+        <p:txBody>
+          <a:bodyPr rtlCol="0" anchor="ctr"/>
+          <a:lstStyle/>
+          <a:p>
+            <a:pPr algn="ctr"/>
+            <a:r>
+              <a:rPr lang="en-US" altLang="ko-KR" sz="1200" dirty="0">
+                <a:solidFill>
+                  <a:sysClr val="windowText" lastClr="000000"/>
+                </a:solidFill>
+              </a:rPr>
+              <a:t>6</a:t>
+            </a:r>
+            <a:endParaRPr lang="ko-KR" altLang="en-US" sz="1200" dirty="0">
+              <a:solidFill>
+                <a:sysClr val="windowText" lastClr="000000"/>
+              </a:solidFill>
+            </a:endParaRPr>
+          </a:p>
+        </p:txBody>
+      </p:sp>
+      <p:sp>
+        <p:nvSpPr>
+          <p:cNvPr id="5" name="슬라이드 번호 개체 틀 4"/>
+          <p:cNvSpPr>
+            <a:spLocks noGrp="1"/>
+          </p:cNvSpPr>
+          <p:nvPr>
+            <p:ph type="sldNum" sz="quarter" idx="12"/>
+          </p:nvPr>
+        </p:nvSpPr>
+        <p:spPr/>
+        <p:txBody>
+          <a:bodyPr/>
+          <a:lstStyle/>
+          <a:p>
+            <a:fld id="{4BEDD84E-25D4-4983-8AA1-2863C96F08D9}" type="slidenum">
+              <a:rPr lang="ko-KR" altLang="en-US" smtClean="0"/>
+              <a:t>2</a:t>
+            </a:fld>
+            <a:endParaRPr lang="ko-KR" altLang="en-US"/>
+          </a:p>
+        </p:txBody>
+      </p:sp>
+      <p:sp>
+        <p:nvSpPr>
+          <p:cNvPr id="65" name="타원 64"/>
+          <p:cNvSpPr/>
+          <p:nvPr/>
+        </p:nvSpPr>
+        <p:spPr>
+          <a:xfrm>
+            <a:off x="4644008" y="3789039"/>
+            <a:ext cx="216025" cy="216025"/>
+          </a:xfrm>
+          <a:prstGeom prst="ellipse">
+            <a:avLst/>
+          </a:prstGeom>
+          <a:solidFill>
+            <a:schemeClr val="bg1"/>
+          </a:solidFill>
+          <a:ln w="19050">
+            <a:solidFill>
+              <a:schemeClr val="tx1"/>
+            </a:solidFill>
+          </a:ln>
+        </p:spPr>
+        <p:style>
+          <a:lnRef idx="2">
+            <a:schemeClr val="accent1">
+              <a:shade val="50000"/>
+            </a:schemeClr>
+          </a:lnRef>
+          <a:fillRef idx="1">
+            <a:schemeClr val="accent1"/>
+          </a:fillRef>
+          <a:effectRef idx="0">
+            <a:schemeClr val="accent1"/>
+          </a:effectRef>
+          <a:fontRef idx="minor">
+            <a:schemeClr val="lt1"/>
+          </a:fontRef>
+        </p:style>
+        <p:txBody>
+          <a:bodyPr rtlCol="0" anchor="ctr"/>
+          <a:lstStyle/>
+          <a:p>
+            <a:pPr algn="ctr"/>
+            <a:r>
+              <a:rPr lang="en-US" altLang="ko-KR" sz="1200" dirty="0">
+                <a:solidFill>
+                  <a:sysClr val="windowText" lastClr="000000"/>
+                </a:solidFill>
+              </a:rPr>
+              <a:t>4</a:t>
+            </a:r>
+            <a:endParaRPr lang="ko-KR" altLang="en-US" sz="1200" dirty="0">
+              <a:solidFill>
+                <a:sysClr val="windowText" lastClr="000000"/>
+              </a:solidFill>
+            </a:endParaRPr>
           </a:p>
         </p:txBody>
       </p:sp>
       <p:cxnSp>
         <p:nvCxnSpPr>
-          <p:cNvPr id="41" name="직선 화살표 연결선 40"/>
+          <p:cNvPr id="49" name="직선 화살표 연결선 48">
+            <a:extLst>
+              <a:ext uri="{FF2B5EF4-FFF2-40B4-BE49-F238E27FC236}">
+                <a16:creationId xmlns:a16="http://schemas.microsoft.com/office/drawing/2014/main" id="{6F497FA8-85EC-461A-8B74-C44EB28043A2}"/>
+              </a:ext>
+            </a:extLst>
+          </p:cNvPr>
           <p:cNvCxnSpPr/>
           <p:nvPr/>
         </p:nvCxnSpPr>
         <p:spPr>
-          <a:xfrm flipV="1">
-            <a:off x="7236296" y="3573016"/>
-            <a:ext cx="0" cy="958964"/>
+          <a:xfrm>
+            <a:off x="6863364" y="3564906"/>
+            <a:ext cx="7367" cy="967074"/>
           </a:xfrm>
           <a:prstGeom prst="straightConnector1">
             <a:avLst/>
@@ -6062,17 +6242,22 @@
       </p:cxnSp>
       <p:cxnSp>
         <p:nvCxnSpPr>
-          <p:cNvPr id="45" name="직선 화살표 연결선 44"/>
+          <p:cNvPr id="50" name="직선 화살표 연결선 49">
+            <a:extLst>
+              <a:ext uri="{FF2B5EF4-FFF2-40B4-BE49-F238E27FC236}">
+                <a16:creationId xmlns:a16="http://schemas.microsoft.com/office/drawing/2014/main" id="{8B5B2CFB-2941-46EC-A0CD-004FEB04B416}"/>
+              </a:ext>
+            </a:extLst>
+          </p:cNvPr>
           <p:cNvCxnSpPr>
-            <a:stCxn id="54" idx="2"/>
-            <a:endCxn id="9" idx="3"/>
+            <a:cxnSpLocks/>
           </p:cNvCxnSpPr>
           <p:nvPr/>
         </p:nvCxnSpPr>
         <p:spPr>
-          <a:xfrm flipH="1">
-            <a:off x="4143566" y="3594455"/>
-            <a:ext cx="1353155" cy="1358143"/>
+          <a:xfrm flipV="1">
+            <a:off x="7236296" y="3573016"/>
+            <a:ext cx="0" cy="971252"/>
           </a:xfrm>
           <a:prstGeom prst="straightConnector1">
             <a:avLst/>
@@ -6096,15 +6281,93 @@
           </a:fontRef>
         </p:style>
       </p:cxnSp>
-      <p:sp>
-        <p:nvSpPr>
-          <p:cNvPr id="54" name="모서리가 둥근 직사각형 53"/>
+      <p:cxnSp>
+        <p:nvCxnSpPr>
+          <p:cNvPr id="51" name="직선 화살표 연결선 50">
+            <a:extLst>
+              <a:ext uri="{FF2B5EF4-FFF2-40B4-BE49-F238E27FC236}">
+                <a16:creationId xmlns:a16="http://schemas.microsoft.com/office/drawing/2014/main" id="{13B1B0C3-9B7B-4688-9A65-A3F26B03D824}"/>
+              </a:ext>
+            </a:extLst>
+          </p:cNvPr>
+          <p:cNvCxnSpPr/>
+          <p:nvPr/>
+        </p:nvCxnSpPr>
+        <p:spPr>
+          <a:xfrm>
+            <a:off x="6863364" y="5362598"/>
+            <a:ext cx="7367" cy="568680"/>
+          </a:xfrm>
+          <a:prstGeom prst="straightConnector1">
+            <a:avLst/>
+          </a:prstGeom>
+          <a:ln w="19050">
+            <a:tailEnd type="arrow"/>
+          </a:ln>
+        </p:spPr>
+        <p:style>
+          <a:lnRef idx="1">
+            <a:schemeClr val="dk1"/>
+          </a:lnRef>
+          <a:fillRef idx="0">
+            <a:schemeClr val="dk1"/>
+          </a:fillRef>
+          <a:effectRef idx="0">
+            <a:schemeClr val="dk1"/>
+          </a:effectRef>
+          <a:fontRef idx="minor">
+            <a:schemeClr val="tx1"/>
+          </a:fontRef>
+        </p:style>
+      </p:cxnSp>
+      <p:cxnSp>
+        <p:nvCxnSpPr>
+          <p:cNvPr id="52" name="직선 화살표 연결선 51">
+            <a:extLst>
+              <a:ext uri="{FF2B5EF4-FFF2-40B4-BE49-F238E27FC236}">
+                <a16:creationId xmlns:a16="http://schemas.microsoft.com/office/drawing/2014/main" id="{DEB8A9EF-CDED-4638-8584-DB37D16F72F0}"/>
+              </a:ext>
+            </a:extLst>
+          </p:cNvPr>
+          <p:cNvCxnSpPr/>
+          <p:nvPr/>
+        </p:nvCxnSpPr>
+        <p:spPr>
+          <a:xfrm flipV="1">
+            <a:off x="7236296" y="5362598"/>
+            <a:ext cx="0" cy="568680"/>
+          </a:xfrm>
+          <a:prstGeom prst="straightConnector1">
+            <a:avLst/>
+          </a:prstGeom>
+          <a:ln w="19050">
+            <a:tailEnd type="arrow"/>
+          </a:ln>
+        </p:spPr>
+        <p:style>
+          <a:lnRef idx="1">
+            <a:schemeClr val="dk1"/>
+          </a:lnRef>
+          <a:fillRef idx="0">
+            <a:schemeClr val="dk1"/>
+          </a:fillRef>
+          <a:effectRef idx="0">
+            <a:schemeClr val="dk1"/>
+          </a:effectRef>
+          <a:fontRef idx="minor">
+            <a:schemeClr val="tx1"/>
+          </a:fontRef>
+        </p:style>
+      </p:cxnSp>
+      <p:sp>
+        <p:nvSpPr>
+          <p:cNvPr id="36" name="모서리가 둥근 직사각형 35"/>
           <p:cNvSpPr/>
           <p:nvPr/>
         </p:nvSpPr>
         <p:spPr>
           <a:xfrm>
-            <a:off x="5053289" y="3356992"/>
+            <a:off x="3469113" y="4631697"/>
             <a:ext cx="886863" cy="237463"/>
           </a:xfrm>
           <a:prstGeom prst="roundRect">
@@ -6142,8 +6405,8 @@
           <a:p>
             <a:pPr algn="ctr"/>
             <a:r>
-              <a:rPr lang="en-US" altLang="ko-KR" sz="1200" dirty="0" err="1" smtClean="0"/>
-              <a:t>irqfd</a:t>
+              <a:rPr lang="en-US" altLang="ko-KR" sz="1200" dirty="0"/>
+              <a:t>return</a:t>
             </a:r>
             <a:endParaRPr lang="ko-KR" altLang="en-US" sz="1200" dirty="0"/>
           </a:p>
@@ -6151,13 +6414,19 @@
       </p:sp>
       <p:sp>
         <p:nvSpPr>
-          <p:cNvPr id="46" name="타원 45"/>
+          <p:cNvPr id="53" name="타원 52">
+            <a:extLst>
+              <a:ext uri="{FF2B5EF4-FFF2-40B4-BE49-F238E27FC236}">
+                <a16:creationId xmlns:a16="http://schemas.microsoft.com/office/drawing/2014/main" id="{53E6B624-CD57-424D-93A3-43F513D8D839}"/>
+              </a:ext>
+            </a:extLst>
+          </p:cNvPr>
           <p:cNvSpPr/>
           <p:nvPr/>
         </p:nvSpPr>
         <p:spPr>
           <a:xfrm>
-            <a:off x="1722160" y="3828290"/>
+            <a:off x="6948263" y="4005064"/>
             <a:ext cx="216025" cy="216025"/>
           </a:xfrm>
           <a:prstGeom prst="ellipse">
@@ -6194,650 +6463,12 @@
           <a:p>
             <a:pPr algn="ctr"/>
             <a:r>
-              <a:rPr lang="en-US" altLang="ko-KR" sz="1200" dirty="0" smtClean="0">
-                <a:solidFill>
-                  <a:sysClr val="windowText" lastClr="000000"/>
-                </a:solidFill>
-              </a:rPr>
-              <a:t>1</a:t>
-            </a:r>
-            <a:endParaRPr lang="ko-KR" altLang="en-US" sz="1200" dirty="0">
-              <a:solidFill>
-                <a:sysClr val="windowText" lastClr="000000"/>
-              </a:solidFill>
-            </a:endParaRPr>
-          </a:p>
-        </p:txBody>
-      </p:sp>
-      <p:sp>
-        <p:nvSpPr>
-          <p:cNvPr id="55" name="타원 54"/>
-          <p:cNvSpPr/>
-          <p:nvPr/>
-        </p:nvSpPr>
-        <p:spPr>
-          <a:xfrm>
-            <a:off x="3823045" y="4013690"/>
-            <a:ext cx="216025" cy="216025"/>
-          </a:xfrm>
-          <a:prstGeom prst="ellipse">
-            <a:avLst/>
-          </a:prstGeom>
-          <a:solidFill>
-            <a:schemeClr val="bg1"/>
-          </a:solidFill>
-          <a:ln w="19050">
-            <a:solidFill>
-              <a:schemeClr val="tx1"/>
-            </a:solidFill>
-          </a:ln>
-        </p:spPr>
-        <p:style>
-          <a:lnRef idx="2">
-            <a:schemeClr val="accent1">
-              <a:shade val="50000"/>
-            </a:schemeClr>
-          </a:lnRef>
-          <a:fillRef idx="1">
-            <a:schemeClr val="accent1"/>
-          </a:fillRef>
-          <a:effectRef idx="0">
-            <a:schemeClr val="accent1"/>
-          </a:effectRef>
-          <a:fontRef idx="minor">
-            <a:schemeClr val="lt1"/>
-          </a:fontRef>
-        </p:style>
-        <p:txBody>
-          <a:bodyPr rtlCol="0" anchor="ctr"/>
-          <a:lstStyle/>
-          <a:p>
-            <a:pPr algn="ctr"/>
-            <a:r>
               <a:rPr lang="en-US" altLang="ko-KR" sz="1200" dirty="0">
                 <a:solidFill>
                   <a:sysClr val="windowText" lastClr="000000"/>
                 </a:solidFill>
               </a:rPr>
-              <a:t>2</a:t>
-            </a:r>
-            <a:endParaRPr lang="ko-KR" altLang="en-US" sz="1200" dirty="0">
-              <a:solidFill>
-                <a:sysClr val="windowText" lastClr="000000"/>
-              </a:solidFill>
-            </a:endParaRPr>
-          </a:p>
-        </p:txBody>
-      </p:sp>
-      <p:sp>
-        <p:nvSpPr>
-          <p:cNvPr id="59" name="타원 58"/>
-          <p:cNvSpPr/>
-          <p:nvPr/>
-        </p:nvSpPr>
-        <p:spPr>
-          <a:xfrm>
-            <a:off x="6164802" y="5517231"/>
-            <a:ext cx="216025" cy="216025"/>
-          </a:xfrm>
-          <a:prstGeom prst="ellipse">
-            <a:avLst/>
-          </a:prstGeom>
-          <a:solidFill>
-            <a:schemeClr val="bg1"/>
-          </a:solidFill>
-          <a:ln w="19050">
-            <a:solidFill>
-              <a:schemeClr val="tx1"/>
-            </a:solidFill>
-          </a:ln>
-        </p:spPr>
-        <p:style>
-          <a:lnRef idx="2">
-            <a:schemeClr val="accent1">
-              <a:shade val="50000"/>
-            </a:schemeClr>
-          </a:lnRef>
-          <a:fillRef idx="1">
-            <a:schemeClr val="accent1"/>
-          </a:fillRef>
-          <a:effectRef idx="0">
-            <a:schemeClr val="accent1"/>
-          </a:effectRef>
-          <a:fontRef idx="minor">
-            <a:schemeClr val="lt1"/>
-          </a:fontRef>
-        </p:style>
-        <p:txBody>
-          <a:bodyPr rtlCol="0" anchor="ctr"/>
-          <a:lstStyle/>
-          <a:p>
-            <a:pPr algn="ctr"/>
-            <a:r>
-              <a:rPr lang="en-US" altLang="ko-KR" sz="1200" dirty="0">
-                <a:solidFill>
-                  <a:sysClr val="windowText" lastClr="000000"/>
-                </a:solidFill>
-              </a:rPr>
-              <a:t>5</a:t>
-            </a:r>
-            <a:endParaRPr lang="ko-KR" altLang="en-US" sz="1200" dirty="0">
-              <a:solidFill>
-                <a:sysClr val="windowText" lastClr="000000"/>
-              </a:solidFill>
-            </a:endParaRPr>
-          </a:p>
-        </p:txBody>
-      </p:sp>
-      <p:sp>
-        <p:nvSpPr>
-          <p:cNvPr id="60" name="타원 59"/>
-          <p:cNvSpPr/>
-          <p:nvPr/>
-        </p:nvSpPr>
-        <p:spPr>
-          <a:xfrm>
-            <a:off x="2161828" y="4084691"/>
-            <a:ext cx="216025" cy="216025"/>
-          </a:xfrm>
-          <a:prstGeom prst="ellipse">
-            <a:avLst/>
-          </a:prstGeom>
-          <a:solidFill>
-            <a:schemeClr val="bg1"/>
-          </a:solidFill>
-          <a:ln w="19050">
-            <a:solidFill>
-              <a:schemeClr val="tx1"/>
-            </a:solidFill>
-          </a:ln>
-        </p:spPr>
-        <p:style>
-          <a:lnRef idx="2">
-            <a:schemeClr val="accent1">
-              <a:shade val="50000"/>
-            </a:schemeClr>
-          </a:lnRef>
-          <a:fillRef idx="1">
-            <a:schemeClr val="accent1"/>
-          </a:fillRef>
-          <a:effectRef idx="0">
-            <a:schemeClr val="accent1"/>
-          </a:effectRef>
-          <a:fontRef idx="minor">
-            <a:schemeClr val="lt1"/>
-          </a:fontRef>
-        </p:style>
-        <p:txBody>
-          <a:bodyPr rtlCol="0" anchor="ctr"/>
-          <a:lstStyle/>
-          <a:p>
-            <a:pPr algn="ctr"/>
-            <a:r>
-              <a:rPr lang="en-US" altLang="ko-KR" sz="1200" dirty="0">
-                <a:solidFill>
-                  <a:sysClr val="windowText" lastClr="000000"/>
-                </a:solidFill>
-              </a:rPr>
-              <a:t>8</a:t>
-            </a:r>
-            <a:endParaRPr lang="ko-KR" altLang="en-US" sz="1200" dirty="0">
-              <a:solidFill>
-                <a:sysClr val="windowText" lastClr="000000"/>
-              </a:solidFill>
-            </a:endParaRPr>
-          </a:p>
-        </p:txBody>
-      </p:sp>
-      <p:sp>
-        <p:nvSpPr>
-          <p:cNvPr id="61" name="타원 60"/>
-          <p:cNvSpPr/>
-          <p:nvPr/>
-        </p:nvSpPr>
-        <p:spPr>
-          <a:xfrm>
-            <a:off x="2161828" y="3405376"/>
-            <a:ext cx="216025" cy="216025"/>
-          </a:xfrm>
-          <a:prstGeom prst="ellipse">
-            <a:avLst/>
-          </a:prstGeom>
-          <a:solidFill>
-            <a:schemeClr val="bg1"/>
-          </a:solidFill>
-          <a:ln w="19050">
-            <a:solidFill>
-              <a:schemeClr val="tx1"/>
-            </a:solidFill>
-          </a:ln>
-        </p:spPr>
-        <p:style>
-          <a:lnRef idx="2">
-            <a:schemeClr val="accent1">
-              <a:shade val="50000"/>
-            </a:schemeClr>
-          </a:lnRef>
-          <a:fillRef idx="1">
-            <a:schemeClr val="accent1"/>
-          </a:fillRef>
-          <a:effectRef idx="0">
-            <a:schemeClr val="accent1"/>
-          </a:effectRef>
-          <a:fontRef idx="minor">
-            <a:schemeClr val="lt1"/>
-          </a:fontRef>
-        </p:style>
-        <p:txBody>
-          <a:bodyPr rtlCol="0" anchor="ctr"/>
-          <a:lstStyle/>
-          <a:p>
-            <a:pPr algn="ctr"/>
-            <a:r>
-              <a:rPr lang="en-US" altLang="ko-KR" sz="1200" dirty="0">
-                <a:solidFill>
-                  <a:sysClr val="windowText" lastClr="000000"/>
-                </a:solidFill>
-              </a:rPr>
-              <a:t>9</a:t>
-            </a:r>
-            <a:endParaRPr lang="ko-KR" altLang="en-US" sz="1200" dirty="0">
-              <a:solidFill>
-                <a:sysClr val="windowText" lastClr="000000"/>
-              </a:solidFill>
-            </a:endParaRPr>
-          </a:p>
-        </p:txBody>
-      </p:sp>
-      <p:cxnSp>
-        <p:nvCxnSpPr>
-          <p:cNvPr id="62" name="직선 화살표 연결선 61"/>
-          <p:cNvCxnSpPr/>
-          <p:nvPr/>
-        </p:nvCxnSpPr>
-        <p:spPr>
-          <a:xfrm>
-            <a:off x="5940152" y="5374947"/>
-            <a:ext cx="0" cy="556331"/>
-          </a:xfrm>
-          <a:prstGeom prst="straightConnector1">
-            <a:avLst/>
-          </a:prstGeom>
-          <a:ln w="19050">
-            <a:tailEnd type="arrow"/>
-          </a:ln>
-        </p:spPr>
-        <p:style>
-          <a:lnRef idx="1">
-            <a:schemeClr val="dk1"/>
-          </a:lnRef>
-          <a:fillRef idx="0">
-            <a:schemeClr val="dk1"/>
-          </a:fillRef>
-          <a:effectRef idx="0">
-            <a:schemeClr val="dk1"/>
-          </a:effectRef>
-          <a:fontRef idx="minor">
-            <a:schemeClr val="tx1"/>
-          </a:fontRef>
-        </p:style>
-      </p:cxnSp>
-      <p:cxnSp>
-        <p:nvCxnSpPr>
-          <p:cNvPr id="63" name="직선 화살표 연결선 62"/>
-          <p:cNvCxnSpPr/>
-          <p:nvPr/>
-        </p:nvCxnSpPr>
-        <p:spPr>
-          <a:xfrm flipV="1">
-            <a:off x="6588224" y="5373216"/>
-            <a:ext cx="0" cy="558062"/>
-          </a:xfrm>
-          <a:prstGeom prst="straightConnector1">
-            <a:avLst/>
-          </a:prstGeom>
-          <a:ln w="19050">
-            <a:tailEnd type="arrow"/>
-          </a:ln>
-        </p:spPr>
-        <p:style>
-          <a:lnRef idx="1">
-            <a:schemeClr val="dk1"/>
-          </a:lnRef>
-          <a:fillRef idx="0">
-            <a:schemeClr val="dk1"/>
-          </a:fillRef>
-          <a:effectRef idx="0">
-            <a:schemeClr val="dk1"/>
-          </a:effectRef>
-          <a:fontRef idx="minor">
-            <a:schemeClr val="tx1"/>
-          </a:fontRef>
-        </p:style>
-      </p:cxnSp>
-      <p:sp>
-        <p:nvSpPr>
-          <p:cNvPr id="5" name="슬라이드 번호 개체 틀 4"/>
-          <p:cNvSpPr>
-            <a:spLocks noGrp="1"/>
-          </p:cNvSpPr>
-          <p:nvPr>
-            <p:ph type="sldNum" sz="quarter" idx="12"/>
-          </p:nvPr>
-        </p:nvSpPr>
-        <p:spPr/>
-        <p:txBody>
-          <a:bodyPr/>
-          <a:lstStyle/>
-          <a:p>
-            <a:fld id="{4BEDD84E-25D4-4983-8AA1-2863C96F08D9}" type="slidenum">
-              <a:rPr lang="ko-KR" altLang="en-US" smtClean="0"/>
-              <a:t>2</a:t>
-            </a:fld>
-            <a:endParaRPr lang="ko-KR" altLang="en-US"/>
-          </a:p>
-        </p:txBody>
-      </p:sp>
-      <p:cxnSp>
-        <p:nvCxnSpPr>
-          <p:cNvPr id="39" name="직선 화살표 연결선 38"/>
-          <p:cNvCxnSpPr>
-            <a:stCxn id="33" idx="3"/>
-            <a:endCxn id="35" idx="1"/>
-          </p:cNvCxnSpPr>
-          <p:nvPr/>
-        </p:nvCxnSpPr>
-        <p:spPr>
-          <a:xfrm>
-            <a:off x="4571999" y="3140968"/>
-            <a:ext cx="386515" cy="0"/>
-          </a:xfrm>
-          <a:prstGeom prst="straightConnector1">
-            <a:avLst/>
-          </a:prstGeom>
-          <a:ln w="19050">
-            <a:tailEnd type="arrow"/>
-          </a:ln>
-        </p:spPr>
-        <p:style>
-          <a:lnRef idx="1">
-            <a:schemeClr val="dk1"/>
-          </a:lnRef>
-          <a:fillRef idx="0">
-            <a:schemeClr val="dk1"/>
-          </a:fillRef>
-          <a:effectRef idx="0">
-            <a:schemeClr val="dk1"/>
-          </a:effectRef>
-          <a:fontRef idx="minor">
-            <a:schemeClr val="tx1"/>
-          </a:fontRef>
-        </p:style>
-      </p:cxnSp>
-      <p:cxnSp>
-        <p:nvCxnSpPr>
-          <p:cNvPr id="64" name="직선 화살표 연결선 63"/>
-          <p:cNvCxnSpPr/>
-          <p:nvPr/>
-        </p:nvCxnSpPr>
-        <p:spPr>
-          <a:xfrm>
-            <a:off x="6804248" y="3582732"/>
-            <a:ext cx="0" cy="939531"/>
-          </a:xfrm>
-          <a:prstGeom prst="straightConnector1">
-            <a:avLst/>
-          </a:prstGeom>
-          <a:ln w="19050">
-            <a:tailEnd type="arrow"/>
-          </a:ln>
-        </p:spPr>
-        <p:style>
-          <a:lnRef idx="1">
-            <a:schemeClr val="dk1"/>
-          </a:lnRef>
-          <a:fillRef idx="0">
-            <a:schemeClr val="dk1"/>
-          </a:fillRef>
-          <a:effectRef idx="0">
-            <a:schemeClr val="dk1"/>
-          </a:effectRef>
-          <a:fontRef idx="minor">
-            <a:schemeClr val="tx1"/>
-          </a:fontRef>
-        </p:style>
-      </p:cxnSp>
-      <p:sp>
-        <p:nvSpPr>
-          <p:cNvPr id="56" name="타원 55"/>
-          <p:cNvSpPr/>
-          <p:nvPr/>
-        </p:nvSpPr>
-        <p:spPr>
-          <a:xfrm>
-            <a:off x="4626756" y="3025459"/>
-            <a:ext cx="216025" cy="216025"/>
-          </a:xfrm>
-          <a:prstGeom prst="ellipse">
-            <a:avLst/>
-          </a:prstGeom>
-          <a:solidFill>
-            <a:schemeClr val="bg1"/>
-          </a:solidFill>
-          <a:ln w="19050">
-            <a:solidFill>
-              <a:schemeClr val="tx1"/>
-            </a:solidFill>
-          </a:ln>
-        </p:spPr>
-        <p:style>
-          <a:lnRef idx="2">
-            <a:schemeClr val="accent1">
-              <a:shade val="50000"/>
-            </a:schemeClr>
-          </a:lnRef>
-          <a:fillRef idx="1">
-            <a:schemeClr val="accent1"/>
-          </a:fillRef>
-          <a:effectRef idx="0">
-            <a:schemeClr val="accent1"/>
-          </a:effectRef>
-          <a:fontRef idx="minor">
-            <a:schemeClr val="lt1"/>
-          </a:fontRef>
-        </p:style>
-        <p:txBody>
-          <a:bodyPr rtlCol="0" anchor="ctr"/>
-          <a:lstStyle/>
-          <a:p>
-            <a:pPr algn="ctr"/>
-            <a:r>
-              <a:rPr lang="en-US" altLang="ko-KR" sz="1200" dirty="0" smtClean="0">
-                <a:solidFill>
-                  <a:sysClr val="windowText" lastClr="000000"/>
-                </a:solidFill>
-              </a:rPr>
               <a:t>3</a:t>
-            </a:r>
-            <a:endParaRPr lang="ko-KR" altLang="en-US" sz="1200" dirty="0">
-              <a:solidFill>
-                <a:sysClr val="windowText" lastClr="000000"/>
-              </a:solidFill>
-            </a:endParaRPr>
-          </a:p>
-        </p:txBody>
-      </p:sp>
-      <p:sp>
-        <p:nvSpPr>
-          <p:cNvPr id="57" name="타원 56"/>
-          <p:cNvSpPr/>
-          <p:nvPr/>
-        </p:nvSpPr>
-        <p:spPr>
-          <a:xfrm>
-            <a:off x="6694370" y="3645023"/>
-            <a:ext cx="216025" cy="216025"/>
-          </a:xfrm>
-          <a:prstGeom prst="ellipse">
-            <a:avLst/>
-          </a:prstGeom>
-          <a:solidFill>
-            <a:schemeClr val="bg1"/>
-          </a:solidFill>
-          <a:ln w="19050">
-            <a:solidFill>
-              <a:schemeClr val="tx1"/>
-            </a:solidFill>
-          </a:ln>
-        </p:spPr>
-        <p:style>
-          <a:lnRef idx="2">
-            <a:schemeClr val="accent1">
-              <a:shade val="50000"/>
-            </a:schemeClr>
-          </a:lnRef>
-          <a:fillRef idx="1">
-            <a:schemeClr val="accent1"/>
-          </a:fillRef>
-          <a:effectRef idx="0">
-            <a:schemeClr val="accent1"/>
-          </a:effectRef>
-          <a:fontRef idx="minor">
-            <a:schemeClr val="lt1"/>
-          </a:fontRef>
-        </p:style>
-        <p:txBody>
-          <a:bodyPr rtlCol="0" anchor="ctr"/>
-          <a:lstStyle/>
-          <a:p>
-            <a:pPr algn="ctr"/>
-            <a:r>
-              <a:rPr lang="en-US" altLang="ko-KR" sz="1200" dirty="0">
-                <a:solidFill>
-                  <a:sysClr val="windowText" lastClr="000000"/>
-                </a:solidFill>
-              </a:rPr>
-              <a:t>4</a:t>
-            </a:r>
-            <a:endParaRPr lang="ko-KR" altLang="en-US" sz="1200" dirty="0">
-              <a:solidFill>
-                <a:sysClr val="windowText" lastClr="000000"/>
-              </a:solidFill>
-            </a:endParaRPr>
-          </a:p>
-        </p:txBody>
-      </p:sp>
-      <p:sp>
-        <p:nvSpPr>
-          <p:cNvPr id="58" name="타원 57"/>
-          <p:cNvSpPr/>
-          <p:nvPr/>
-        </p:nvSpPr>
-        <p:spPr>
-          <a:xfrm>
-            <a:off x="7126783" y="4221088"/>
-            <a:ext cx="216025" cy="216025"/>
-          </a:xfrm>
-          <a:prstGeom prst="ellipse">
-            <a:avLst/>
-          </a:prstGeom>
-          <a:solidFill>
-            <a:schemeClr val="bg1"/>
-          </a:solidFill>
-          <a:ln w="19050">
-            <a:solidFill>
-              <a:schemeClr val="tx1"/>
-            </a:solidFill>
-          </a:ln>
-        </p:spPr>
-        <p:style>
-          <a:lnRef idx="2">
-            <a:schemeClr val="accent1">
-              <a:shade val="50000"/>
-            </a:schemeClr>
-          </a:lnRef>
-          <a:fillRef idx="1">
-            <a:schemeClr val="accent1"/>
-          </a:fillRef>
-          <a:effectRef idx="0">
-            <a:schemeClr val="accent1"/>
-          </a:effectRef>
-          <a:fontRef idx="minor">
-            <a:schemeClr val="lt1"/>
-          </a:fontRef>
-        </p:style>
-        <p:txBody>
-          <a:bodyPr rtlCol="0" anchor="ctr"/>
-          <a:lstStyle/>
-          <a:p>
-            <a:pPr algn="ctr"/>
-            <a:r>
-              <a:rPr lang="en-US" altLang="ko-KR" sz="1200" dirty="0">
-                <a:solidFill>
-                  <a:sysClr val="windowText" lastClr="000000"/>
-                </a:solidFill>
-              </a:rPr>
-              <a:t>6</a:t>
-            </a:r>
-            <a:endParaRPr lang="ko-KR" altLang="en-US" sz="1200" dirty="0">
-              <a:solidFill>
-                <a:sysClr val="windowText" lastClr="000000"/>
-              </a:solidFill>
-            </a:endParaRPr>
-          </a:p>
-        </p:txBody>
-      </p:sp>
-      <p:sp>
-        <p:nvSpPr>
-          <p:cNvPr id="65" name="타원 64"/>
-          <p:cNvSpPr/>
-          <p:nvPr/>
-        </p:nvSpPr>
-        <p:spPr>
-          <a:xfrm>
-            <a:off x="5240322" y="3645024"/>
-            <a:ext cx="216025" cy="216025"/>
-          </a:xfrm>
-          <a:prstGeom prst="ellipse">
-            <a:avLst/>
-          </a:prstGeom>
-          <a:solidFill>
-            <a:schemeClr val="bg1"/>
-          </a:solidFill>
-          <a:ln w="19050">
-            <a:solidFill>
-              <a:schemeClr val="tx1"/>
-            </a:solidFill>
-          </a:ln>
-        </p:spPr>
-        <p:style>
-          <a:lnRef idx="2">
-            <a:schemeClr val="accent1">
-              <a:shade val="50000"/>
-            </a:schemeClr>
-          </a:lnRef>
-          <a:fillRef idx="1">
-            <a:schemeClr val="accent1"/>
-          </a:fillRef>
-          <a:effectRef idx="0">
-            <a:schemeClr val="accent1"/>
-          </a:effectRef>
-          <a:fontRef idx="minor">
-            <a:schemeClr val="lt1"/>
-          </a:fontRef>
-        </p:style>
-        <p:txBody>
-          <a:bodyPr rtlCol="0" anchor="ctr"/>
-          <a:lstStyle/>
-          <a:p>
-            <a:pPr algn="ctr"/>
-            <a:r>
-              <a:rPr lang="en-US" altLang="ko-KR" sz="1200" dirty="0">
-                <a:solidFill>
-                  <a:sysClr val="windowText" lastClr="000000"/>
-                </a:solidFill>
-              </a:rPr>
-              <a:t>7</a:t>
             </a:r>
             <a:endParaRPr lang="ko-KR" altLang="en-US" sz="1200" dirty="0">
               <a:solidFill>
@@ -6857,13 +6488,6 @@
   <p:clrMapOvr>
     <a:masterClrMapping/>
   </p:clrMapOvr>
-  <p:timing>
-    <p:tnLst>
-      <p:par>
-        <p:cTn id="1" dur="indefinite" restart="never" nodeType="tmRoot"/>
-      </p:par>
-    </p:tnLst>
-  </p:timing>
 </p:sld>
 </file>
 
@@ -6902,7 +6526,7 @@
           <a:lstStyle/>
           <a:p>
             <a:r>
-              <a:rPr lang="en-US" altLang="ko-KR" sz="4000" dirty="0" smtClean="0"/>
+              <a:rPr lang="en-US" altLang="ko-KR" sz="4000" dirty="0"/>
               <a:t>KVM + QEMU</a:t>
             </a:r>
             <a:endParaRPr lang="ko-KR" altLang="en-US" sz="4000" dirty="0"/>
@@ -7064,7 +6688,7 @@
           <a:p>
             <a:pPr algn="ctr"/>
             <a:r>
-              <a:rPr lang="en-US" altLang="ko-KR" sz="1200" dirty="0" smtClean="0"/>
+              <a:rPr lang="en-US" altLang="ko-KR" sz="1200" dirty="0"/>
               <a:t>CPU (KVM)</a:t>
             </a:r>
             <a:endParaRPr lang="ko-KR" altLang="en-US" sz="1200" dirty="0"/>
@@ -7108,14 +6732,14 @@
           <a:p>
             <a:pPr algn="ctr"/>
             <a:r>
-              <a:rPr lang="en-US" altLang="ko-KR" sz="1200" dirty="0" smtClean="0"/>
+              <a:rPr lang="en-US" altLang="ko-KR" sz="1200" dirty="0"/>
               <a:t>PCI Host bridge</a:t>
             </a:r>
           </a:p>
           <a:p>
             <a:pPr algn="ctr"/>
             <a:r>
-              <a:rPr lang="en-US" altLang="ko-KR" sz="1200" dirty="0" smtClean="0"/>
+              <a:rPr lang="en-US" altLang="ko-KR" sz="1200" dirty="0"/>
               <a:t>(QEMU)</a:t>
             </a:r>
             <a:endParaRPr lang="ko-KR" altLang="en-US" sz="1200" dirty="0"/>
@@ -7203,7 +6827,7 @@
           <a:p>
             <a:pPr algn="ctr"/>
             <a:r>
-              <a:rPr lang="en-US" altLang="ko-KR" sz="1200" dirty="0" smtClean="0"/>
+              <a:rPr lang="en-US" altLang="ko-KR" sz="1200" dirty="0"/>
               <a:t>NIC (QEMU)</a:t>
             </a:r>
             <a:endParaRPr lang="ko-KR" altLang="en-US" sz="1200" dirty="0"/>
@@ -7343,7 +6967,7 @@
           <a:p>
             <a:pPr algn="ctr"/>
             <a:r>
-              <a:rPr lang="en-US" altLang="ko-KR" sz="1200" dirty="0" smtClean="0"/>
+              <a:rPr lang="en-US" altLang="ko-KR" sz="1200" dirty="0"/>
               <a:t>PCI BUS0</a:t>
             </a:r>
             <a:endParaRPr lang="ko-KR" altLang="en-US" sz="1200" dirty="0"/>
@@ -7387,7 +7011,7 @@
           <a:p>
             <a:pPr algn="ctr"/>
             <a:r>
-              <a:rPr lang="en-US" altLang="ko-KR" sz="1200" dirty="0" smtClean="0"/>
+              <a:rPr lang="en-US" altLang="ko-KR" sz="1200" dirty="0"/>
               <a:t>IDE Controller (QEMU)</a:t>
             </a:r>
             <a:endParaRPr lang="ko-KR" altLang="en-US" sz="1200" dirty="0"/>
@@ -7538,7 +7162,7 @@
           <a:p>
             <a:pPr algn="ctr"/>
             <a:r>
-              <a:rPr lang="en-US" altLang="ko-KR" sz="1200" dirty="0" smtClean="0"/>
+              <a:rPr lang="en-US" altLang="ko-KR" sz="1200" dirty="0"/>
               <a:t>HDD (QEMU)</a:t>
             </a:r>
             <a:endParaRPr lang="ko-KR" altLang="en-US" sz="1200" dirty="0"/>
@@ -7619,14 +7243,14 @@
           <a:p>
             <a:pPr algn="ctr"/>
             <a:r>
-              <a:rPr lang="en-US" altLang="ko-KR" sz="1200" dirty="0" smtClean="0"/>
+              <a:rPr lang="en-US" altLang="ko-KR" sz="1200" dirty="0"/>
               <a:t>DVD-ROM</a:t>
             </a:r>
           </a:p>
           <a:p>
             <a:pPr algn="ctr"/>
             <a:r>
-              <a:rPr lang="en-US" altLang="ko-KR" sz="1200" dirty="0" smtClean="0"/>
+              <a:rPr lang="en-US" altLang="ko-KR" sz="1200" dirty="0"/>
               <a:t>(QEMU)</a:t>
             </a:r>
             <a:endParaRPr lang="ko-KR" altLang="en-US" sz="1200" dirty="0"/>
@@ -7694,7 +7318,7 @@
           <a:p>
             <a:pPr algn="ctr"/>
             <a:r>
-              <a:rPr lang="en-US" altLang="ko-KR" sz="1200" dirty="0" smtClean="0"/>
+              <a:rPr lang="en-US" altLang="ko-KR" sz="1200" dirty="0"/>
               <a:t>IDE Cable</a:t>
             </a:r>
             <a:endParaRPr lang="ko-KR" altLang="en-US" sz="1200" dirty="0"/>
@@ -7734,13 +7358,6 @@
   <p:clrMapOvr>
     <a:masterClrMapping/>
   </p:clrMapOvr>
-  <p:timing>
-    <p:tnLst>
-      <p:par>
-        <p:cTn id="1" dur="indefinite" restart="never" nodeType="tmRoot"/>
-      </p:par>
-    </p:tnLst>
-  </p:timing>
 </p:sld>
 </file>
 
@@ -7779,11 +7396,11 @@
           <a:lstStyle/>
           <a:p>
             <a:r>
-              <a:rPr lang="en-US" altLang="ko-KR" dirty="0" err="1" smtClean="0"/>
+              <a:rPr lang="en-US" altLang="ko-KR" dirty="0" err="1"/>
               <a:t>Virtio</a:t>
             </a:r>
             <a:r>
-              <a:rPr lang="en-US" altLang="ko-KR" dirty="0" smtClean="0"/>
+              <a:rPr lang="en-US" altLang="ko-KR" dirty="0"/>
               <a:t> Architecture</a:t>
             </a:r>
             <a:endParaRPr lang="ko-KR" altLang="en-US" dirty="0"/>
@@ -7808,11 +7425,11 @@
           <a:lstStyle/>
           <a:p>
             <a:r>
-              <a:rPr lang="en-US" altLang="ko-KR" sz="2000" dirty="0" err="1" smtClean="0"/>
+              <a:rPr lang="en-US" altLang="ko-KR" sz="2000" dirty="0" err="1"/>
               <a:t>Paravirtualized</a:t>
             </a:r>
             <a:r>
-              <a:rPr lang="en-US" altLang="ko-KR" sz="2000" dirty="0" smtClean="0"/>
+              <a:rPr lang="en-US" altLang="ko-KR" sz="2000" dirty="0"/>
               <a:t> device driver.</a:t>
             </a:r>
           </a:p>
@@ -7862,7 +7479,7 @@
           <a:p>
             <a:pPr algn="ctr"/>
             <a:r>
-              <a:rPr lang="en-US" altLang="ko-KR" sz="1400" dirty="0" smtClean="0">
+              <a:rPr lang="en-US" altLang="ko-KR" sz="1400" dirty="0">
                 <a:solidFill>
                   <a:schemeClr val="bg1">
                     <a:lumMod val="65000"/>
@@ -7923,7 +7540,7 @@
           <a:p>
             <a:pPr algn="ctr"/>
             <a:r>
-              <a:rPr lang="en-US" altLang="ko-KR" sz="1400" b="1" dirty="0" err="1" smtClean="0">
+              <a:rPr lang="en-US" altLang="ko-KR" sz="1400" b="1" dirty="0" err="1">
                 <a:solidFill>
                   <a:schemeClr val="tx1"/>
                 </a:solidFill>
@@ -7931,7 +7548,7 @@
               <a:t>Virtio</a:t>
             </a:r>
             <a:r>
-              <a:rPr lang="en-US" altLang="ko-KR" sz="1400" b="1" dirty="0" smtClean="0">
+              <a:rPr lang="en-US" altLang="ko-KR" sz="1400" b="1" dirty="0">
                 <a:solidFill>
                   <a:schemeClr val="tx1"/>
                 </a:solidFill>
@@ -7942,7 +7559,7 @@
           <a:p>
             <a:pPr algn="ctr"/>
             <a:r>
-              <a:rPr lang="en-US" altLang="ko-KR" sz="1400" b="1" dirty="0" smtClean="0">
+              <a:rPr lang="en-US" altLang="ko-KR" sz="1400" b="1" dirty="0">
                 <a:solidFill>
                   <a:schemeClr val="tx1"/>
                 </a:solidFill>
@@ -8001,7 +7618,7 @@
           <a:p>
             <a:pPr algn="ctr"/>
             <a:r>
-              <a:rPr lang="en-US" altLang="ko-KR" sz="1400" dirty="0" smtClean="0">
+              <a:rPr lang="en-US" altLang="ko-KR" sz="1400" dirty="0">
                 <a:solidFill>
                   <a:schemeClr val="bg1">
                     <a:lumMod val="65000"/>
@@ -8062,7 +7679,7 @@
           <a:p>
             <a:pPr algn="ctr"/>
             <a:r>
-              <a:rPr lang="en-US" altLang="ko-KR" sz="1400" b="1" dirty="0" err="1" smtClean="0">
+              <a:rPr lang="en-US" altLang="ko-KR" sz="1400" b="1" dirty="0" err="1">
                 <a:solidFill>
                   <a:schemeClr val="tx1"/>
                 </a:solidFill>
@@ -8070,7 +7687,7 @@
               <a:t>Virtio</a:t>
             </a:r>
             <a:r>
-              <a:rPr lang="en-US" altLang="ko-KR" sz="1400" b="1" dirty="0" smtClean="0">
+              <a:rPr lang="en-US" altLang="ko-KR" sz="1400" b="1" dirty="0">
                 <a:solidFill>
                   <a:schemeClr val="tx1"/>
                 </a:solidFill>
@@ -8081,7 +7698,7 @@
           <a:p>
             <a:pPr algn="ctr"/>
             <a:r>
-              <a:rPr lang="en-US" altLang="ko-KR" sz="1400" b="1" dirty="0" smtClean="0">
+              <a:rPr lang="en-US" altLang="ko-KR" sz="1400" b="1" dirty="0">
                 <a:solidFill>
                   <a:schemeClr val="tx1"/>
                 </a:solidFill>
@@ -8140,7 +7757,7 @@
           <a:p>
             <a:pPr algn="ctr"/>
             <a:r>
-              <a:rPr lang="en-US" altLang="ko-KR" sz="1400" dirty="0" err="1" smtClean="0">
+              <a:rPr lang="en-US" altLang="ko-KR" sz="1400" dirty="0" err="1">
                 <a:solidFill>
                   <a:schemeClr val="bg1">
                     <a:lumMod val="65000"/>
@@ -8201,7 +7818,7 @@
           <a:p>
             <a:pPr algn="ctr"/>
             <a:r>
-              <a:rPr lang="en-US" altLang="ko-KR" sz="1400" b="1" dirty="0" err="1" smtClean="0">
+              <a:rPr lang="en-US" altLang="ko-KR" sz="1400" b="1" dirty="0" err="1">
                 <a:solidFill>
                   <a:schemeClr val="tx1"/>
                 </a:solidFill>
@@ -8298,7 +7915,7 @@
           <a:p>
             <a:pPr algn="ctr"/>
             <a:r>
-              <a:rPr lang="en-US" altLang="ko-KR" sz="1400" b="1" dirty="0" smtClean="0">
+              <a:rPr lang="en-US" altLang="ko-KR" sz="1400" b="1" dirty="0">
                 <a:solidFill>
                   <a:schemeClr val="tx1"/>
                 </a:solidFill>
@@ -8306,14 +7923,14 @@
               <a:t>Shared Memory</a:t>
             </a:r>
             <a:br>
-              <a:rPr lang="en-US" altLang="ko-KR" sz="1400" b="1" dirty="0" smtClean="0">
+              <a:rPr lang="en-US" altLang="ko-KR" sz="1400" b="1" dirty="0">
                 <a:solidFill>
                   <a:schemeClr val="tx1"/>
                 </a:solidFill>
               </a:rPr>
             </a:br>
             <a:r>
-              <a:rPr lang="en-US" altLang="ko-KR" sz="1400" b="1" dirty="0" smtClean="0">
+              <a:rPr lang="en-US" altLang="ko-KR" sz="1400" b="1" dirty="0">
                 <a:solidFill>
                   <a:schemeClr val="tx1"/>
                 </a:solidFill>
@@ -8372,27 +7989,17 @@
           <a:p>
             <a:pPr algn="ctr"/>
             <a:r>
-              <a:rPr lang="en-US" altLang="ko-KR" sz="1400" smtClean="0">
+              <a:rPr lang="en-US" altLang="ko-KR" sz="1400">
                 <a:solidFill>
                   <a:schemeClr val="bg1">
                     <a:lumMod val="65000"/>
                   </a:schemeClr>
                 </a:solidFill>
               </a:rPr>
-              <a:t>Main</a:t>
-            </a:r>
-            <a:r>
-              <a:rPr lang="en-US" altLang="ko-KR" sz="1400" smtClean="0">
-                <a:solidFill>
-                  <a:schemeClr val="bg1">
-                    <a:lumMod val="65000"/>
-                  </a:schemeClr>
-                </a:solidFill>
-              </a:rPr>
-              <a:t> </a:t>
-            </a:r>
-            <a:r>
-              <a:rPr lang="en-US" altLang="ko-KR" sz="1400" dirty="0" smtClean="0">
+              <a:t>Main </a:t>
+            </a:r>
+            <a:r>
+              <a:rPr lang="en-US" altLang="ko-KR" sz="1400" dirty="0">
                 <a:solidFill>
                   <a:schemeClr val="bg1">
                     <a:lumMod val="65000"/>
@@ -8444,13 +8051,6 @@
   <p:clrMapOvr>
     <a:masterClrMapping/>
   </p:clrMapOvr>
-  <p:timing>
-    <p:tnLst>
-      <p:par>
-        <p:cTn id="1" dur="indefinite" restart="never" nodeType="tmRoot"/>
-      </p:par>
-    </p:tnLst>
-  </p:timing>
 </p:sld>
 </file>
 
@@ -8489,11 +8089,11 @@
           <a:lstStyle/>
           <a:p>
             <a:r>
-              <a:rPr lang="en-US" altLang="ko-KR" dirty="0" smtClean="0"/>
+              <a:rPr lang="en-US" altLang="ko-KR" dirty="0"/>
               <a:t>KVM + QEMU + </a:t>
             </a:r>
             <a:r>
-              <a:rPr lang="en-US" altLang="ko-KR" dirty="0" err="1" smtClean="0"/>
+              <a:rPr lang="en-US" altLang="ko-KR" dirty="0" err="1"/>
               <a:t>VirtIO</a:t>
             </a:r>
             <a:endParaRPr lang="ko-KR" altLang="en-US" dirty="0"/>
@@ -8528,16 +8128,8 @@
               </a:lnSpc>
             </a:pPr>
             <a:r>
-              <a:rPr lang="en-US" altLang="ko-KR" sz="1600" dirty="0" smtClean="0"/>
-              <a:t>KVM - CPU Virtualization, </a:t>
-            </a:r>
-            <a:r>
               <a:rPr lang="en-US" altLang="ko-KR" sz="1600" dirty="0"/>
-              <a:t>Memory </a:t>
-            </a:r>
-            <a:r>
-              <a:rPr lang="en-US" altLang="ko-KR" sz="1600" dirty="0" smtClean="0"/>
-              <a:t>Virtualization</a:t>
+              <a:t>KVM - CPU Virtualization, Memory Virtualization</a:t>
             </a:r>
           </a:p>
           <a:p>
@@ -8547,26 +8139,25 @@
               </a:lnSpc>
             </a:pPr>
             <a:r>
-              <a:rPr lang="en-US" altLang="ko-KR" sz="1600" dirty="0" smtClean="0"/>
+              <a:rPr lang="en-US" altLang="ko-KR" sz="1600" dirty="0"/>
               <a:t>QEMU - I/O Full-virtualization + I/O </a:t>
             </a:r>
             <a:r>
-              <a:rPr lang="en-US" altLang="ko-KR" sz="1600" dirty="0" err="1" smtClean="0"/>
+              <a:rPr lang="en-US" altLang="ko-KR" sz="1600" dirty="0" err="1"/>
               <a:t>Paravirtualization</a:t>
             </a:r>
             <a:r>
-              <a:rPr lang="en-US" altLang="ko-KR" sz="1600" dirty="0" smtClean="0"/>
+              <a:rPr lang="en-US" altLang="ko-KR" sz="1600" dirty="0"/>
               <a:t> (</a:t>
             </a:r>
             <a:r>
-              <a:rPr lang="en-US" altLang="ko-KR" sz="1600" dirty="0" err="1" smtClean="0"/>
+              <a:rPr lang="en-US" altLang="ko-KR" sz="1600" dirty="0" err="1"/>
               <a:t>VirtIO</a:t>
             </a:r>
             <a:r>
-              <a:rPr lang="en-US" altLang="ko-KR" sz="1600" dirty="0" smtClean="0"/>
+              <a:rPr lang="en-US" altLang="ko-KR" sz="1600" dirty="0"/>
               <a:t>)</a:t>
             </a:r>
-            <a:endParaRPr lang="en-US" altLang="ko-KR" sz="1600" dirty="0"/>
           </a:p>
           <a:p>
             <a:pPr>
@@ -8615,7 +8206,7 @@
           <a:p>
             <a:pPr algn="ctr"/>
             <a:r>
-              <a:rPr lang="en-US" altLang="ko-KR" sz="1400" dirty="0" smtClean="0"/>
+              <a:rPr lang="en-US" altLang="ko-KR" sz="1400" dirty="0"/>
               <a:t>Linux Kernel</a:t>
             </a:r>
             <a:endParaRPr lang="ko-KR" altLang="en-US" sz="1400" dirty="0"/>
@@ -8660,7 +8251,7 @@
           <a:p>
             <a:pPr algn="ctr"/>
             <a:r>
-              <a:rPr lang="en-US" altLang="ko-KR" sz="1400" smtClean="0"/>
+              <a:rPr lang="en-US" altLang="ko-KR" sz="1400"/>
               <a:t>QEMU</a:t>
             </a:r>
             <a:endParaRPr lang="ko-KR" altLang="en-US" sz="1400" dirty="0"/>
@@ -8704,8 +8295,8 @@
           <a:p>
             <a:pPr algn="ctr"/>
             <a:r>
-              <a:rPr lang="en-US" altLang="ko-KR" sz="1400" dirty="0" err="1" smtClean="0"/>
-              <a:t>vCPU</a:t>
+              <a:rPr lang="en-US" altLang="ko-KR" sz="1400"/>
+              <a:t>vCPU (Thread)</a:t>
             </a:r>
             <a:endParaRPr lang="ko-KR" altLang="en-US" sz="1400" dirty="0"/>
           </a:p>
@@ -8748,7 +8339,7 @@
           <a:p>
             <a:pPr algn="ctr"/>
             <a:r>
-              <a:rPr lang="en-US" altLang="ko-KR" sz="1400" dirty="0" smtClean="0"/>
+              <a:rPr lang="en-US" altLang="ko-KR" sz="1400" dirty="0"/>
               <a:t>KVM Module</a:t>
             </a:r>
             <a:endParaRPr lang="ko-KR" altLang="en-US" sz="1400" dirty="0"/>
@@ -8797,7 +8388,7 @@
           <a:p>
             <a:pPr algn="ctr"/>
             <a:r>
-              <a:rPr lang="en-US" altLang="ko-KR" sz="1400" dirty="0" err="1" smtClean="0">
+              <a:rPr lang="en-US" altLang="ko-KR" sz="1400" dirty="0" err="1">
                 <a:solidFill>
                   <a:schemeClr val="tx1"/>
                 </a:solidFill>
@@ -8805,7 +8396,7 @@
               <a:t>VirtIO</a:t>
             </a:r>
             <a:r>
-              <a:rPr lang="en-US" altLang="ko-KR" sz="1400" dirty="0" smtClean="0">
+              <a:rPr lang="en-US" altLang="ko-KR" sz="1400" dirty="0">
                 <a:solidFill>
                   <a:schemeClr val="tx1"/>
                 </a:solidFill>
@@ -8857,7 +8448,7 @@
           <a:p>
             <a:pPr algn="ctr"/>
             <a:r>
-              <a:rPr lang="en-US" altLang="ko-KR" sz="1400" dirty="0" smtClean="0"/>
+              <a:rPr lang="en-US" altLang="ko-KR" sz="1400" dirty="0"/>
               <a:t>Device Driver</a:t>
             </a:r>
             <a:endParaRPr lang="ko-KR" altLang="en-US" sz="1400" dirty="0"/>
@@ -8901,7 +8492,7 @@
           <a:p>
             <a:pPr algn="ctr"/>
             <a:r>
-              <a:rPr lang="en-US" altLang="ko-KR" sz="1400" dirty="0" smtClean="0"/>
+              <a:rPr lang="en-US" altLang="ko-KR" sz="1400" dirty="0"/>
               <a:t>Device</a:t>
             </a:r>
             <a:endParaRPr lang="ko-KR" altLang="en-US" sz="1400" dirty="0"/>
@@ -8945,7 +8536,7 @@
           <a:p>
             <a:pPr algn="r"/>
             <a:r>
-              <a:rPr lang="en-US" altLang="ko-KR" sz="1400" dirty="0" smtClean="0"/>
+              <a:rPr lang="en-US" altLang="ko-KR" sz="1400" dirty="0"/>
               <a:t>Guest Kernel</a:t>
             </a:r>
             <a:endParaRPr lang="ko-KR" altLang="en-US" sz="1400" dirty="0"/>
@@ -8994,7 +8585,7 @@
           <a:p>
             <a:pPr algn="ctr"/>
             <a:r>
-              <a:rPr lang="en-US" altLang="ko-KR" sz="1400" dirty="0" err="1" smtClean="0">
+              <a:rPr lang="en-US" altLang="ko-KR" sz="1400" dirty="0" err="1">
                 <a:solidFill>
                   <a:schemeClr val="tx1"/>
                 </a:solidFill>
@@ -9002,7 +8593,7 @@
               <a:t>VirtIO</a:t>
             </a:r>
             <a:r>
-              <a:rPr lang="en-US" altLang="ko-KR" sz="1400" dirty="0" smtClean="0">
+              <a:rPr lang="en-US" altLang="ko-KR" sz="1400" dirty="0">
                 <a:solidFill>
                   <a:schemeClr val="tx1"/>
                 </a:solidFill>
@@ -9096,7 +8687,7 @@
           <a:p>
             <a:pPr algn="ctr"/>
             <a:r>
-              <a:rPr lang="en-US" altLang="ko-KR" sz="1200" dirty="0" smtClean="0"/>
+              <a:rPr lang="en-US" altLang="ko-KR" sz="1200" dirty="0"/>
               <a:t>Exception</a:t>
             </a:r>
             <a:endParaRPr lang="ko-KR" altLang="en-US" sz="1200" dirty="0"/>
@@ -9249,7 +8840,7 @@
           <a:p>
             <a:pPr algn="ctr"/>
             <a:r>
-              <a:rPr lang="en-US" altLang="ko-KR" sz="1200" dirty="0" err="1" smtClean="0"/>
+              <a:rPr lang="en-US" altLang="ko-KR" sz="1200" dirty="0" err="1"/>
               <a:t>vIRQ</a:t>
             </a:r>
             <a:endParaRPr lang="ko-KR" altLang="en-US" sz="1200" dirty="0"/>
@@ -9344,15 +8935,7 @@
                   <a:schemeClr val="tx1"/>
                 </a:solidFill>
               </a:rPr>
-              <a:t>V</a:t>
-            </a:r>
-            <a:r>
-              <a:rPr lang="en-US" altLang="ko-KR" sz="1200" dirty="0" err="1" smtClean="0">
-                <a:solidFill>
-                  <a:schemeClr val="tx1"/>
-                </a:solidFill>
-              </a:rPr>
-              <a:t>irtqueue</a:t>
+              <a:t>Virtqueue</a:t>
             </a:r>
             <a:endParaRPr lang="ko-KR" altLang="en-US" sz="1400" dirty="0">
               <a:solidFill>
@@ -9442,7 +9025,7 @@
           <a:p>
             <a:pPr algn="ctr"/>
             <a:r>
-              <a:rPr lang="en-US" altLang="ko-KR" sz="1200" dirty="0" err="1" smtClean="0"/>
+              <a:rPr lang="en-US" altLang="ko-KR" sz="1200" dirty="0" err="1"/>
               <a:t>ioeventfd</a:t>
             </a:r>
             <a:endParaRPr lang="ko-KR" altLang="en-US" sz="1400" dirty="0"/>
@@ -9486,12 +9069,8 @@
           <a:p>
             <a:pPr algn="ctr"/>
             <a:r>
-              <a:rPr lang="en-US" altLang="ko-KR" sz="1400" smtClean="0"/>
-              <a:t>Main </a:t>
-            </a:r>
-            <a:r>
-              <a:rPr lang="en-US" altLang="ko-KR" sz="1400" dirty="0" smtClean="0"/>
-              <a:t>Loop</a:t>
+              <a:rPr lang="en-US" altLang="ko-KR" sz="1400"/>
+              <a:t>Main Loop Thread</a:t>
             </a:r>
             <a:endParaRPr lang="ko-KR" altLang="en-US" sz="1400" dirty="0"/>
           </a:p>
@@ -9543,7 +9122,7 @@
           <a:p>
             <a:pPr algn="ctr"/>
             <a:r>
-              <a:rPr lang="en-US" altLang="ko-KR" sz="1200" dirty="0" err="1" smtClean="0"/>
+              <a:rPr lang="en-US" altLang="ko-KR" sz="1200" dirty="0" err="1"/>
               <a:t>irqfd</a:t>
             </a:r>
             <a:endParaRPr lang="ko-KR" altLang="en-US" sz="1200" dirty="0"/>
@@ -9655,7 +9234,7 @@
           <a:p>
             <a:pPr algn="ctr"/>
             <a:r>
-              <a:rPr lang="en-US" altLang="ko-KR" sz="1200" dirty="0" smtClean="0">
+              <a:rPr lang="en-US" altLang="ko-KR" sz="1200" dirty="0">
                 <a:solidFill>
                   <a:sysClr val="windowText" lastClr="000000"/>
                 </a:solidFill>
@@ -9715,7 +9294,7 @@
           <a:p>
             <a:pPr algn="ctr"/>
             <a:r>
-              <a:rPr lang="en-US" altLang="ko-KR" sz="1200" dirty="0" smtClean="0">
+              <a:rPr lang="en-US" altLang="ko-KR" sz="1200" dirty="0">
                 <a:solidFill>
                   <a:sysClr val="windowText" lastClr="000000"/>
                 </a:solidFill>
@@ -9766,13 +9345,15 @@
       <p:cxnSp>
         <p:nvCxnSpPr>
           <p:cNvPr id="51" name="직선 화살표 연결선 50"/>
-          <p:cNvCxnSpPr/>
+          <p:cNvCxnSpPr>
+            <a:cxnSpLocks/>
+          </p:cNvCxnSpPr>
           <p:nvPr/>
         </p:nvCxnSpPr>
         <p:spPr>
           <a:xfrm flipV="1">
-            <a:off x="7236296" y="3598300"/>
-            <a:ext cx="0" cy="945968"/>
+            <a:off x="7236296" y="3573016"/>
+            <a:ext cx="0" cy="971252"/>
           </a:xfrm>
           <a:prstGeom prst="straightConnector1">
             <a:avLst/>
@@ -10004,7 +9585,7 @@
           <a:p>
             <a:pPr algn="ctr"/>
             <a:r>
-              <a:rPr lang="en-US" altLang="ko-KR" sz="1200" dirty="0" smtClean="0">
+              <a:rPr lang="en-US" altLang="ko-KR" sz="1200" dirty="0">
                 <a:solidFill>
                   <a:sysClr val="windowText" lastClr="000000"/>
                 </a:solidFill>
@@ -10124,7 +9705,7 @@
           <a:p>
             <a:pPr algn="ctr"/>
             <a:r>
-              <a:rPr lang="en-US" altLang="ko-KR" sz="1200" dirty="0" smtClean="0">
+              <a:rPr lang="en-US" altLang="ko-KR" sz="1200" dirty="0">
                 <a:solidFill>
                   <a:sysClr val="windowText" lastClr="000000"/>
                 </a:solidFill>
@@ -10232,13 +9813,6 @@
   <p:clrMapOvr>
     <a:masterClrMapping/>
   </p:clrMapOvr>
-  <p:timing>
-    <p:tnLst>
-      <p:par>
-        <p:cTn id="1" dur="indefinite" restart="never" nodeType="tmRoot"/>
-      </p:par>
-    </p:tnLst>
-  </p:timing>
 </p:sld>
 </file>
 
@@ -10300,11 +9874,7 @@
             <a:pPr algn="ctr"/>
             <a:r>
               <a:rPr lang="en-US" altLang="ko-KR" sz="1200" dirty="0" err="1"/>
-              <a:t>v</a:t>
-            </a:r>
-            <a:r>
-              <a:rPr lang="en-US" altLang="ko-KR" sz="1200" dirty="0" err="1" smtClean="0"/>
-              <a:t>irtio-blk</a:t>
+              <a:t>virtio-blk</a:t>
             </a:r>
             <a:endParaRPr lang="ko-KR" altLang="en-US" sz="1200" dirty="0"/>
           </a:p>
@@ -10328,19 +9898,19 @@
           <a:lstStyle/>
           <a:p>
             <a:r>
-              <a:rPr lang="en-US" altLang="ko-KR" sz="3600" dirty="0" smtClean="0"/>
+              <a:rPr lang="en-US" altLang="ko-KR" sz="3600" dirty="0"/>
               <a:t>KVM + QEMU + </a:t>
             </a:r>
             <a:r>
-              <a:rPr lang="en-US" altLang="ko-KR" sz="3600" dirty="0" err="1" smtClean="0"/>
+              <a:rPr lang="en-US" altLang="ko-KR" sz="3600" dirty="0" err="1"/>
               <a:t>virtio</a:t>
             </a:r>
             <a:r>
-              <a:rPr lang="en-US" altLang="ko-KR" sz="3600" dirty="0" smtClean="0"/>
+              <a:rPr lang="en-US" altLang="ko-KR" sz="3600" dirty="0"/>
               <a:t>-net + </a:t>
             </a:r>
             <a:r>
-              <a:rPr lang="en-US" altLang="ko-KR" sz="3600" dirty="0" err="1" smtClean="0"/>
+              <a:rPr lang="en-US" altLang="ko-KR" sz="3600" dirty="0" err="1"/>
               <a:t>virtio-blk</a:t>
             </a:r>
             <a:endParaRPr lang="ko-KR" altLang="en-US" sz="3600" dirty="0"/>
@@ -10414,7 +9984,7 @@
           <a:p>
             <a:pPr algn="ctr"/>
             <a:r>
-              <a:rPr lang="en-US" altLang="ko-KR" sz="1200" dirty="0" smtClean="0"/>
+              <a:rPr lang="en-US" altLang="ko-KR" sz="1200" dirty="0"/>
               <a:t>CPU (KVM)</a:t>
             </a:r>
             <a:endParaRPr lang="ko-KR" altLang="en-US" sz="1200" dirty="0"/>
@@ -10458,14 +10028,14 @@
           <a:p>
             <a:pPr algn="ctr"/>
             <a:r>
-              <a:rPr lang="en-US" altLang="ko-KR" sz="1200" dirty="0" smtClean="0"/>
+              <a:rPr lang="en-US" altLang="ko-KR" sz="1200" dirty="0"/>
               <a:t>PCI Host bridge</a:t>
             </a:r>
           </a:p>
           <a:p>
             <a:pPr algn="ctr"/>
             <a:r>
-              <a:rPr lang="en-US" altLang="ko-KR" sz="1200" dirty="0" smtClean="0"/>
+              <a:rPr lang="en-US" altLang="ko-KR" sz="1200" dirty="0"/>
               <a:t>(QEMU)</a:t>
             </a:r>
             <a:endParaRPr lang="ko-KR" altLang="en-US" sz="1200" dirty="0"/>
@@ -10509,15 +10079,15 @@
           <a:p>
             <a:pPr algn="ctr"/>
             <a:r>
-              <a:rPr lang="en-US" altLang="ko-KR" sz="1200" dirty="0" smtClean="0"/>
+              <a:rPr lang="en-US" altLang="ko-KR" sz="1200" dirty="0"/>
               <a:t>NIC (</a:t>
             </a:r>
             <a:r>
-              <a:rPr lang="en-US" altLang="ko-KR" sz="1200" dirty="0" err="1" smtClean="0"/>
+              <a:rPr lang="en-US" altLang="ko-KR" sz="1200" dirty="0" err="1"/>
               <a:t>virtio</a:t>
             </a:r>
             <a:r>
-              <a:rPr lang="en-US" altLang="ko-KR" sz="1200" dirty="0" smtClean="0"/>
+              <a:rPr lang="en-US" altLang="ko-KR" sz="1200" dirty="0"/>
               <a:t>-net)</a:t>
             </a:r>
             <a:endParaRPr lang="ko-KR" altLang="en-US" sz="1200" dirty="0"/>
@@ -10657,7 +10227,7 @@
           <a:p>
             <a:pPr algn="ctr"/>
             <a:r>
-              <a:rPr lang="en-US" altLang="ko-KR" sz="1200" dirty="0" smtClean="0"/>
+              <a:rPr lang="en-US" altLang="ko-KR" sz="1200" dirty="0"/>
               <a:t>PCI BUS0</a:t>
             </a:r>
             <a:endParaRPr lang="ko-KR" altLang="en-US" sz="1200" dirty="0"/>
@@ -10701,7 +10271,7 @@
           <a:p>
             <a:pPr algn="ctr"/>
             <a:r>
-              <a:rPr lang="en-US" altLang="ko-KR" sz="1200" dirty="0" smtClean="0"/>
+              <a:rPr lang="en-US" altLang="ko-KR" sz="1200" dirty="0"/>
               <a:t>SCSI Controller</a:t>
             </a:r>
             <a:endParaRPr lang="ko-KR" altLang="en-US" sz="1200" dirty="0"/>
@@ -10870,7 +10440,7 @@
           <a:p>
             <a:pPr algn="ctr"/>
             <a:r>
-              <a:rPr lang="en-US" altLang="ko-KR" sz="1200" dirty="0" smtClean="0"/>
+              <a:rPr lang="en-US" altLang="ko-KR" sz="1200" dirty="0"/>
               <a:t>Block </a:t>
             </a:r>
             <a:endParaRPr lang="ko-KR" altLang="en-US" sz="1200" dirty="0"/>
@@ -10910,13 +10480,6 @@
   <p:clrMapOvr>
     <a:masterClrMapping/>
   </p:clrMapOvr>
-  <p:timing>
-    <p:tnLst>
-      <p:par>
-        <p:cTn id="1" dur="indefinite" restart="never" nodeType="tmRoot"/>
-      </p:par>
-    </p:tnLst>
-  </p:timing>
 </p:sld>
 </file>
 
@@ -10955,19 +10518,19 @@
           <a:lstStyle/>
           <a:p>
             <a:r>
-              <a:rPr lang="en-US" altLang="ko-KR" sz="3200" dirty="0" smtClean="0"/>
+              <a:rPr lang="en-US" altLang="ko-KR" sz="3200" dirty="0"/>
               <a:t>KVM + QEMU + </a:t>
             </a:r>
             <a:r>
-              <a:rPr lang="en-US" altLang="ko-KR" sz="3200" dirty="0" err="1" smtClean="0"/>
+              <a:rPr lang="en-US" altLang="ko-KR" sz="3200" dirty="0" err="1"/>
               <a:t>virtio</a:t>
             </a:r>
             <a:r>
-              <a:rPr lang="en-US" altLang="ko-KR" sz="3200" dirty="0" smtClean="0"/>
+              <a:rPr lang="en-US" altLang="ko-KR" sz="3200" dirty="0"/>
               <a:t>-net + </a:t>
             </a:r>
             <a:r>
-              <a:rPr lang="en-US" altLang="ko-KR" sz="3200" dirty="0" err="1" smtClean="0"/>
+              <a:rPr lang="en-US" altLang="ko-KR" sz="3200" dirty="0" err="1"/>
               <a:t>virtio-scsi</a:t>
             </a:r>
             <a:endParaRPr lang="ko-KR" altLang="en-US" sz="3200" dirty="0"/>
@@ -11041,7 +10604,7 @@
           <a:p>
             <a:pPr algn="ctr"/>
             <a:r>
-              <a:rPr lang="en-US" altLang="ko-KR" sz="1200" dirty="0" smtClean="0"/>
+              <a:rPr lang="en-US" altLang="ko-KR" sz="1200" dirty="0"/>
               <a:t>CPU (KVM)</a:t>
             </a:r>
             <a:endParaRPr lang="ko-KR" altLang="en-US" sz="1200" dirty="0"/>
@@ -11085,14 +10648,14 @@
           <a:p>
             <a:pPr algn="ctr"/>
             <a:r>
-              <a:rPr lang="en-US" altLang="ko-KR" sz="1200" dirty="0" smtClean="0"/>
+              <a:rPr lang="en-US" altLang="ko-KR" sz="1200" dirty="0"/>
               <a:t>PCI Host bridge</a:t>
             </a:r>
           </a:p>
           <a:p>
             <a:pPr algn="ctr"/>
             <a:r>
-              <a:rPr lang="en-US" altLang="ko-KR" sz="1200" dirty="0" smtClean="0"/>
+              <a:rPr lang="en-US" altLang="ko-KR" sz="1200" dirty="0"/>
               <a:t>(QEMU)</a:t>
             </a:r>
             <a:endParaRPr lang="ko-KR" altLang="en-US" sz="1200" dirty="0"/>
@@ -11136,15 +10699,15 @@
           <a:p>
             <a:pPr algn="ctr"/>
             <a:r>
-              <a:rPr lang="en-US" altLang="ko-KR" sz="1200" dirty="0" smtClean="0"/>
+              <a:rPr lang="en-US" altLang="ko-KR" sz="1200" dirty="0"/>
               <a:t>NIC (</a:t>
             </a:r>
             <a:r>
-              <a:rPr lang="en-US" altLang="ko-KR" sz="1200" dirty="0" err="1" smtClean="0"/>
+              <a:rPr lang="en-US" altLang="ko-KR" sz="1200" dirty="0" err="1"/>
               <a:t>virtio</a:t>
             </a:r>
             <a:r>
-              <a:rPr lang="en-US" altLang="ko-KR" sz="1200" dirty="0" smtClean="0"/>
+              <a:rPr lang="en-US" altLang="ko-KR" sz="1200" dirty="0"/>
               <a:t>-net)</a:t>
             </a:r>
             <a:endParaRPr lang="ko-KR" altLang="en-US" sz="1200" dirty="0"/>
@@ -11284,7 +10847,7 @@
           <a:p>
             <a:pPr algn="ctr"/>
             <a:r>
-              <a:rPr lang="en-US" altLang="ko-KR" sz="1200" dirty="0" smtClean="0"/>
+              <a:rPr lang="en-US" altLang="ko-KR" sz="1200" dirty="0"/>
               <a:t>PCI BUS0</a:t>
             </a:r>
             <a:endParaRPr lang="ko-KR" altLang="en-US" sz="1200" dirty="0"/>
@@ -11328,15 +10891,15 @@
           <a:p>
             <a:pPr algn="ctr"/>
             <a:r>
-              <a:rPr lang="en-US" altLang="ko-KR" sz="1200" dirty="0" smtClean="0"/>
+              <a:rPr lang="en-US" altLang="ko-KR" sz="1200" dirty="0"/>
               <a:t>SCSI Controller (</a:t>
             </a:r>
             <a:r>
-              <a:rPr lang="en-US" altLang="ko-KR" sz="1200" dirty="0" err="1" smtClean="0"/>
+              <a:rPr lang="en-US" altLang="ko-KR" sz="1200" dirty="0" err="1"/>
               <a:t>virtio-scsi</a:t>
             </a:r>
             <a:r>
-              <a:rPr lang="en-US" altLang="ko-KR" sz="1200" dirty="0" smtClean="0"/>
+              <a:rPr lang="en-US" altLang="ko-KR" sz="1200" dirty="0"/>
               <a:t>)</a:t>
             </a:r>
             <a:endParaRPr lang="ko-KR" altLang="en-US" sz="1200" dirty="0"/>
@@ -11455,7 +11018,7 @@
           <a:p>
             <a:pPr algn="ctr"/>
             <a:r>
-              <a:rPr lang="en-US" altLang="ko-KR" sz="1200" dirty="0" smtClean="0"/>
+              <a:rPr lang="en-US" altLang="ko-KR" sz="1200" dirty="0"/>
               <a:t>HDD (QEMU)</a:t>
             </a:r>
             <a:endParaRPr lang="ko-KR" altLang="en-US" sz="1200" dirty="0"/>
@@ -11486,7 +11049,7 @@
           <a:p>
             <a:pPr algn="ctr"/>
             <a:r>
-              <a:rPr lang="en-US" altLang="ko-KR" sz="1200" dirty="0" smtClean="0"/>
+              <a:rPr lang="en-US" altLang="ko-KR" sz="1200" dirty="0"/>
               <a:t>SCSI Cable</a:t>
             </a:r>
             <a:endParaRPr lang="ko-KR" altLang="en-US" sz="1200" dirty="0"/>
@@ -11614,13 +11177,6 @@
   <p:clrMapOvr>
     <a:masterClrMapping/>
   </p:clrMapOvr>
-  <p:timing>
-    <p:tnLst>
-      <p:par>
-        <p:cTn id="1" dur="indefinite" restart="never" nodeType="tmRoot"/>
-      </p:par>
-    </p:tnLst>
-  </p:timing>
 </p:sld>
 </file>
 
@@ -11664,23 +11220,23 @@
           <a:lstStyle/>
           <a:p>
             <a:r>
-              <a:rPr lang="en-US" altLang="ko-KR" sz="3600" dirty="0" smtClean="0"/>
+              <a:rPr lang="en-US" altLang="ko-KR" sz="3600" dirty="0"/>
               <a:t>KVM + QEMU + </a:t>
             </a:r>
             <a:r>
-              <a:rPr lang="en-US" altLang="ko-KR" sz="3600" dirty="0" err="1" smtClean="0"/>
+              <a:rPr lang="en-US" altLang="ko-KR" sz="3600" dirty="0" err="1"/>
               <a:t>VirtIO</a:t>
             </a:r>
             <a:r>
-              <a:rPr lang="en-US" altLang="ko-KR" sz="3600" dirty="0" smtClean="0"/>
+              <a:rPr lang="en-US" altLang="ko-KR" sz="3600" dirty="0"/>
               <a:t> + </a:t>
             </a:r>
             <a:r>
-              <a:rPr lang="en-US" altLang="ko-KR" sz="3600" dirty="0" err="1" smtClean="0"/>
+              <a:rPr lang="en-US" altLang="ko-KR" sz="3600" dirty="0" err="1"/>
               <a:t>vhost</a:t>
             </a:r>
             <a:r>
-              <a:rPr lang="en-US" altLang="ko-KR" sz="3600" dirty="0" smtClean="0"/>
+              <a:rPr lang="en-US" altLang="ko-KR" sz="3600" dirty="0"/>
               <a:t>-net</a:t>
             </a:r>
             <a:endParaRPr lang="ko-KR" altLang="en-US" sz="3600" dirty="0"/>
@@ -11715,16 +11271,8 @@
               </a:lnSpc>
             </a:pPr>
             <a:r>
-              <a:rPr lang="en-US" altLang="ko-KR" sz="1600" dirty="0" smtClean="0"/>
-              <a:t>KVM - CPU Virtualization, </a:t>
-            </a:r>
-            <a:r>
               <a:rPr lang="en-US" altLang="ko-KR" sz="1600" dirty="0"/>
-              <a:t>Memory </a:t>
-            </a:r>
-            <a:r>
-              <a:rPr lang="en-US" altLang="ko-KR" sz="1600" dirty="0" smtClean="0"/>
-              <a:t>Virtualization</a:t>
+              <a:t>KVM - CPU Virtualization, Memory Virtualization</a:t>
             </a:r>
           </a:p>
           <a:p>
@@ -11734,7 +11282,7 @@
               </a:lnSpc>
             </a:pPr>
             <a:r>
-              <a:rPr lang="en-US" altLang="ko-KR" sz="1600" dirty="0" smtClean="0"/>
+              <a:rPr lang="en-US" altLang="ko-KR" sz="1600" dirty="0"/>
               <a:t>QEMU - I/O Full-virtualization </a:t>
             </a:r>
           </a:p>
@@ -11745,26 +11293,21 @@
               </a:lnSpc>
             </a:pPr>
             <a:r>
-              <a:rPr lang="en-US" altLang="ko-KR" sz="1600" dirty="0" err="1" smtClean="0"/>
+              <a:rPr lang="en-US" altLang="ko-KR" sz="1600" dirty="0" err="1"/>
               <a:t>vhost</a:t>
             </a:r>
             <a:r>
-              <a:rPr lang="en-US" altLang="ko-KR" sz="1600" dirty="0" smtClean="0"/>
+              <a:rPr lang="en-US" altLang="ko-KR" sz="1600" dirty="0"/>
               <a:t>-net - </a:t>
             </a:r>
             <a:r>
-              <a:rPr lang="en-US" altLang="ko-KR" sz="1600" dirty="0" err="1" smtClean="0"/>
+              <a:rPr lang="en-US" altLang="ko-KR" sz="1600" dirty="0" err="1"/>
               <a:t>virtio</a:t>
             </a:r>
             <a:r>
               <a:rPr lang="en-US" altLang="ko-KR" sz="1600" dirty="0"/>
-              <a:t> </a:t>
-            </a:r>
-            <a:r>
-              <a:rPr lang="en-US" altLang="ko-KR" sz="1600" dirty="0" smtClean="0"/>
-              <a:t>network device emulation</a:t>
-            </a:r>
-            <a:endParaRPr lang="en-US" altLang="ko-KR" sz="1600" dirty="0"/>
+              <a:t> network device emulation</a:t>
+            </a:r>
           </a:p>
           <a:p>
             <a:pPr>
@@ -11812,7 +11355,7 @@
           <a:lstStyle/>
           <a:p>
             <a:r>
-              <a:rPr lang="en-US" altLang="ko-KR" sz="1400" dirty="0" smtClean="0"/>
+              <a:rPr lang="en-US" altLang="ko-KR" sz="1400" dirty="0"/>
               <a:t>             Linux Kernel</a:t>
             </a:r>
             <a:endParaRPr lang="ko-KR" altLang="en-US" sz="1400" dirty="0"/>
@@ -11856,7 +11399,7 @@
           <a:p>
             <a:pPr algn="ctr"/>
             <a:r>
-              <a:rPr lang="en-US" altLang="ko-KR" sz="1400" dirty="0" smtClean="0"/>
+              <a:rPr lang="en-US" altLang="ko-KR" sz="1400" dirty="0"/>
               <a:t>QEMU</a:t>
             </a:r>
             <a:endParaRPr lang="ko-KR" altLang="en-US" sz="1400" dirty="0"/>
@@ -11900,8 +11443,8 @@
           <a:p>
             <a:pPr algn="ctr"/>
             <a:r>
-              <a:rPr lang="en-US" altLang="ko-KR" sz="1400" dirty="0" err="1" smtClean="0"/>
-              <a:t>vCPU</a:t>
+              <a:rPr lang="en-US" altLang="ko-KR" sz="1400"/>
+              <a:t>vCPU (Thread)</a:t>
             </a:r>
             <a:endParaRPr lang="ko-KR" altLang="en-US" sz="1400" dirty="0"/>
           </a:p>
@@ -11944,7 +11487,7 @@
           <a:p>
             <a:pPr algn="ctr"/>
             <a:r>
-              <a:rPr lang="en-US" altLang="ko-KR" sz="1400" dirty="0" smtClean="0"/>
+              <a:rPr lang="en-US" altLang="ko-KR" sz="1400" dirty="0"/>
               <a:t>KVM Module</a:t>
             </a:r>
             <a:endParaRPr lang="ko-KR" altLang="en-US" sz="1400" dirty="0"/>
@@ -11993,7 +11536,7 @@
           <a:p>
             <a:pPr algn="ctr"/>
             <a:r>
-              <a:rPr lang="en-US" altLang="ko-KR" sz="1400" dirty="0" err="1" smtClean="0">
+              <a:rPr lang="en-US" altLang="ko-KR" sz="1400" dirty="0" err="1">
                 <a:solidFill>
                   <a:schemeClr val="tx1"/>
                 </a:solidFill>
@@ -12001,7 +11544,7 @@
               <a:t>macvtap</a:t>
             </a:r>
             <a:r>
-              <a:rPr lang="en-US" altLang="ko-KR" sz="1400" dirty="0" smtClean="0">
+              <a:rPr lang="en-US" altLang="ko-KR" sz="1400" dirty="0">
                 <a:solidFill>
                   <a:schemeClr val="tx1"/>
                 </a:solidFill>
@@ -12009,7 +11552,7 @@
               <a:t> / </a:t>
             </a:r>
             <a:r>
-              <a:rPr lang="en-US" altLang="ko-KR" sz="1400" dirty="0" err="1" smtClean="0">
+              <a:rPr lang="en-US" altLang="ko-KR" sz="1400" dirty="0" err="1">
                 <a:solidFill>
                   <a:schemeClr val="tx1"/>
                 </a:solidFill>
@@ -12061,7 +11604,7 @@
           <a:p>
             <a:pPr algn="ctr"/>
             <a:r>
-              <a:rPr lang="en-US" altLang="ko-KR" sz="1400" dirty="0" smtClean="0"/>
+              <a:rPr lang="en-US" altLang="ko-KR" sz="1400" dirty="0"/>
               <a:t>NIC</a:t>
             </a:r>
             <a:endParaRPr lang="ko-KR" altLang="en-US" sz="1400" dirty="0"/>
@@ -12105,7 +11648,7 @@
           <a:p>
             <a:pPr algn="r"/>
             <a:r>
-              <a:rPr lang="en-US" altLang="ko-KR" sz="1400" dirty="0" smtClean="0"/>
+              <a:rPr lang="en-US" altLang="ko-KR" sz="1400" dirty="0"/>
               <a:t>Guest Kernel</a:t>
             </a:r>
             <a:endParaRPr lang="ko-KR" altLang="en-US" sz="1400" dirty="0"/>
@@ -12154,7 +11697,7 @@
           <a:p>
             <a:pPr algn="ctr"/>
             <a:r>
-              <a:rPr lang="en-US" altLang="ko-KR" sz="1400" dirty="0" err="1" smtClean="0">
+              <a:rPr lang="en-US" altLang="ko-KR" sz="1400" dirty="0" err="1">
                 <a:solidFill>
                   <a:schemeClr val="tx1"/>
                 </a:solidFill>
@@ -12162,7 +11705,7 @@
               <a:t>virtio</a:t>
             </a:r>
             <a:r>
-              <a:rPr lang="en-US" altLang="ko-KR" sz="1400" dirty="0" smtClean="0">
+              <a:rPr lang="en-US" altLang="ko-KR" sz="1400" dirty="0">
                 <a:solidFill>
                   <a:schemeClr val="tx1"/>
                 </a:solidFill>
@@ -12256,7 +11799,7 @@
           <a:p>
             <a:pPr algn="ctr"/>
             <a:r>
-              <a:rPr lang="en-US" altLang="ko-KR" sz="1200" dirty="0" smtClean="0"/>
+              <a:rPr lang="en-US" altLang="ko-KR" sz="1200" dirty="0"/>
               <a:t>Exception</a:t>
             </a:r>
             <a:endParaRPr lang="ko-KR" altLang="en-US" sz="1200" dirty="0"/>
@@ -12375,7 +11918,7 @@
           <a:p>
             <a:pPr algn="ctr"/>
             <a:r>
-              <a:rPr lang="en-US" altLang="ko-KR" sz="1200" dirty="0" err="1" smtClean="0"/>
+              <a:rPr lang="en-US" altLang="ko-KR" sz="1200" dirty="0" err="1"/>
               <a:t>vIRQ</a:t>
             </a:r>
             <a:endParaRPr lang="ko-KR" altLang="en-US" sz="1200" dirty="0"/>
@@ -12424,7 +11967,7 @@
           <a:p>
             <a:pPr algn="ctr"/>
             <a:r>
-              <a:rPr lang="en-US" altLang="ko-KR" sz="1400" dirty="0" err="1" smtClean="0">
+              <a:rPr lang="en-US" altLang="ko-KR" sz="1400" dirty="0" err="1">
                 <a:solidFill>
                   <a:schemeClr val="tx1"/>
                 </a:solidFill>
@@ -12432,7 +11975,7 @@
               <a:t>vhost</a:t>
             </a:r>
             <a:r>
-              <a:rPr lang="en-US" altLang="ko-KR" sz="1400" dirty="0" smtClean="0">
+              <a:rPr lang="en-US" altLang="ko-KR" sz="1400" dirty="0">
                 <a:solidFill>
                   <a:schemeClr val="tx1"/>
                 </a:solidFill>
@@ -12523,7 +12066,7 @@
           <a:p>
             <a:pPr algn="ctr"/>
             <a:r>
-              <a:rPr lang="en-US" altLang="ko-KR" sz="1400" dirty="0" err="1" smtClean="0">
+              <a:rPr lang="en-US" altLang="ko-KR" sz="1400" dirty="0" err="1">
                 <a:solidFill>
                   <a:schemeClr val="tx1"/>
                 </a:solidFill>
@@ -12531,7 +12074,7 @@
               <a:t>virtio</a:t>
             </a:r>
             <a:r>
-              <a:rPr lang="en-US" altLang="ko-KR" sz="1400" dirty="0" smtClean="0">
+              <a:rPr lang="en-US" altLang="ko-KR" sz="1400" dirty="0">
                 <a:solidFill>
                   <a:schemeClr val="tx1"/>
                 </a:solidFill>
@@ -12592,7 +12135,7 @@
           <a:p>
             <a:pPr algn="ctr"/>
             <a:r>
-              <a:rPr lang="en-US" altLang="ko-KR" sz="1200" dirty="0" err="1" smtClean="0"/>
+              <a:rPr lang="en-US" altLang="ko-KR" sz="1200" dirty="0" err="1"/>
               <a:t>irqfd</a:t>
             </a:r>
             <a:endParaRPr lang="ko-KR" altLang="en-US" sz="1200" dirty="0"/>
@@ -12679,7 +12222,7 @@
           <a:p>
             <a:pPr algn="ctr"/>
             <a:r>
-              <a:rPr lang="en-US" altLang="ko-KR" sz="1200" dirty="0" err="1" smtClean="0"/>
+              <a:rPr lang="en-US" altLang="ko-KR" sz="1200" dirty="0" err="1"/>
               <a:t>ioeventfd</a:t>
             </a:r>
             <a:endParaRPr lang="ko-KR" altLang="en-US" sz="1200" dirty="0"/>
@@ -12760,7 +12303,7 @@
           <a:p>
             <a:pPr algn="ctr"/>
             <a:r>
-              <a:rPr lang="en-US" altLang="ko-KR" sz="1400" dirty="0" smtClean="0"/>
+              <a:rPr lang="en-US" altLang="ko-KR" sz="1400" dirty="0"/>
               <a:t>NIC Device Driver</a:t>
             </a:r>
             <a:endParaRPr lang="ko-KR" altLang="en-US" sz="1400" dirty="0"/>
@@ -12849,7 +12392,7 @@
           <a:p>
             <a:pPr algn="ctr"/>
             <a:r>
-              <a:rPr lang="en-US" altLang="ko-KR" sz="1200" dirty="0" smtClean="0">
+              <a:rPr lang="en-US" altLang="ko-KR" sz="1200" dirty="0">
                 <a:solidFill>
                   <a:sysClr val="windowText" lastClr="000000"/>
                 </a:solidFill>
@@ -12969,7 +12512,7 @@
           <a:p>
             <a:pPr algn="ctr"/>
             <a:r>
-              <a:rPr lang="en-US" altLang="ko-KR" sz="1200" dirty="0" smtClean="0">
+              <a:rPr lang="en-US" altLang="ko-KR" sz="1200" dirty="0">
                 <a:solidFill>
                   <a:sysClr val="windowText" lastClr="000000"/>
                 </a:solidFill>
@@ -13089,7 +12632,7 @@
           <a:p>
             <a:pPr algn="ctr"/>
             <a:r>
-              <a:rPr lang="en-US" altLang="ko-KR" sz="1200" dirty="0" smtClean="0">
+              <a:rPr lang="en-US" altLang="ko-KR" sz="1200" dirty="0">
                 <a:solidFill>
                   <a:sysClr val="windowText" lastClr="000000"/>
                 </a:solidFill>
@@ -13407,7 +12950,7 @@
           <a:p>
             <a:pPr algn="ctr"/>
             <a:r>
-              <a:rPr lang="en-US" altLang="ko-KR" sz="1200" dirty="0" smtClean="0">
+              <a:rPr lang="en-US" altLang="ko-KR" sz="1200" dirty="0">
                 <a:solidFill>
                   <a:sysClr val="windowText" lastClr="000000"/>
                 </a:solidFill>
@@ -13467,7 +13010,7 @@
           <a:p>
             <a:pPr algn="ctr"/>
             <a:r>
-              <a:rPr lang="en-US" altLang="ko-KR" sz="1200" dirty="0" smtClean="0">
+              <a:rPr lang="en-US" altLang="ko-KR" sz="1200" dirty="0">
                 <a:solidFill>
                   <a:sysClr val="windowText" lastClr="000000"/>
                 </a:solidFill>
@@ -13551,7 +13094,7 @@
           <a:p>
             <a:pPr algn="ctr"/>
             <a:r>
-              <a:rPr lang="en-US" altLang="ko-KR" sz="1200" dirty="0" err="1" smtClean="0">
+              <a:rPr lang="en-US" altLang="ko-KR" sz="1200" dirty="0" err="1">
                 <a:solidFill>
                   <a:schemeClr val="tx1"/>
                 </a:solidFill>
@@ -13576,13 +13119,6 @@
   <p:clrMapOvr>
     <a:masterClrMapping/>
   </p:clrMapOvr>
-  <p:timing>
-    <p:tnLst>
-      <p:par>
-        <p:cTn id="1" dur="indefinite" restart="never" nodeType="tmRoot"/>
-      </p:par>
-    </p:tnLst>
-  </p:timing>
 </p:sld>
 </file>
 
@@ -13626,19 +13162,19 @@
           <a:lstStyle/>
           <a:p>
             <a:r>
-              <a:rPr lang="en-US" altLang="ko-KR" sz="3600" dirty="0" smtClean="0"/>
+              <a:rPr lang="en-US" altLang="ko-KR" sz="3600" dirty="0"/>
               <a:t>KVM + QEMU + </a:t>
             </a:r>
             <a:r>
-              <a:rPr lang="en-US" altLang="ko-KR" sz="3600" dirty="0" err="1" smtClean="0"/>
+              <a:rPr lang="en-US" altLang="ko-KR" sz="3600" dirty="0" err="1"/>
               <a:t>VirtIO</a:t>
             </a:r>
             <a:r>
-              <a:rPr lang="en-US" altLang="ko-KR" sz="3600" dirty="0" smtClean="0"/>
+              <a:rPr lang="en-US" altLang="ko-KR" sz="3600" dirty="0"/>
               <a:t> + </a:t>
             </a:r>
             <a:r>
-              <a:rPr lang="en-US" altLang="ko-KR" sz="3600" dirty="0" err="1" smtClean="0"/>
+              <a:rPr lang="en-US" altLang="ko-KR" sz="3600" dirty="0" err="1"/>
               <a:t>vhost-scsi</a:t>
             </a:r>
             <a:endParaRPr lang="ko-KR" altLang="en-US" sz="3600" dirty="0"/>
@@ -13673,16 +13209,8 @@
               </a:lnSpc>
             </a:pPr>
             <a:r>
-              <a:rPr lang="en-US" altLang="ko-KR" sz="1600" dirty="0" smtClean="0"/>
-              <a:t>KVM - CPU Virtualization, </a:t>
-            </a:r>
-            <a:r>
               <a:rPr lang="en-US" altLang="ko-KR" sz="1600" dirty="0"/>
-              <a:t>Memory </a:t>
-            </a:r>
-            <a:r>
-              <a:rPr lang="en-US" altLang="ko-KR" sz="1600" dirty="0" smtClean="0"/>
-              <a:t>Virtualization</a:t>
+              <a:t>KVM - CPU Virtualization, Memory Virtualization</a:t>
             </a:r>
           </a:p>
           <a:p>
@@ -13692,7 +13220,7 @@
               </a:lnSpc>
             </a:pPr>
             <a:r>
-              <a:rPr lang="en-US" altLang="ko-KR" sz="1600" dirty="0" smtClean="0"/>
+              <a:rPr lang="en-US" altLang="ko-KR" sz="1600" dirty="0"/>
               <a:t>QEMU - I/O Full-virtualization </a:t>
             </a:r>
           </a:p>
@@ -13703,15 +13231,15 @@
               </a:lnSpc>
             </a:pPr>
             <a:r>
-              <a:rPr lang="en-US" altLang="ko-KR" sz="1600" dirty="0" err="1" smtClean="0"/>
+              <a:rPr lang="en-US" altLang="ko-KR" sz="1600" dirty="0" err="1"/>
               <a:t>vhost-scsi</a:t>
             </a:r>
             <a:r>
-              <a:rPr lang="en-US" altLang="ko-KR" sz="1600" dirty="0" smtClean="0"/>
+              <a:rPr lang="en-US" altLang="ko-KR" sz="1600" dirty="0"/>
               <a:t> - </a:t>
             </a:r>
             <a:r>
-              <a:rPr lang="en-US" altLang="ko-KR" sz="1600" dirty="0" err="1" smtClean="0"/>
+              <a:rPr lang="en-US" altLang="ko-KR" sz="1600" dirty="0" err="1"/>
               <a:t>virtio</a:t>
             </a:r>
             <a:r>
@@ -13719,14 +13247,13 @@
               <a:t> </a:t>
             </a:r>
             <a:r>
-              <a:rPr lang="en-US" altLang="ko-KR" sz="1600" dirty="0" err="1" smtClean="0"/>
+              <a:rPr lang="en-US" altLang="ko-KR" sz="1600" dirty="0" err="1"/>
               <a:t>scsi</a:t>
             </a:r>
             <a:r>
-              <a:rPr lang="en-US" altLang="ko-KR" sz="1600" dirty="0" smtClean="0"/>
+              <a:rPr lang="en-US" altLang="ko-KR" sz="1600" dirty="0"/>
               <a:t> controller emulation</a:t>
             </a:r>
-            <a:endParaRPr lang="en-US" altLang="ko-KR" sz="1600" dirty="0"/>
           </a:p>
           <a:p>
             <a:pPr>
@@ -13774,7 +13301,7 @@
           <a:lstStyle/>
           <a:p>
             <a:r>
-              <a:rPr lang="en-US" altLang="ko-KR" sz="1400" dirty="0" smtClean="0"/>
+              <a:rPr lang="en-US" altLang="ko-KR" sz="1400" dirty="0"/>
               <a:t>             Linux Kernel</a:t>
             </a:r>
             <a:endParaRPr lang="ko-KR" altLang="en-US" sz="1400" dirty="0"/>
@@ -13818,7 +13345,7 @@
           <a:p>
             <a:pPr algn="ctr"/>
             <a:r>
-              <a:rPr lang="en-US" altLang="ko-KR" sz="1400" dirty="0" smtClean="0"/>
+              <a:rPr lang="en-US" altLang="ko-KR" sz="1400" dirty="0"/>
               <a:t>QEMU</a:t>
             </a:r>
             <a:endParaRPr lang="ko-KR" altLang="en-US" sz="1400" dirty="0"/>
@@ -13862,8 +13389,8 @@
           <a:p>
             <a:pPr algn="ctr"/>
             <a:r>
-              <a:rPr lang="en-US" altLang="ko-KR" sz="1400" dirty="0" err="1" smtClean="0"/>
-              <a:t>vCPU</a:t>
+              <a:rPr lang="en-US" altLang="ko-KR" sz="1400"/>
+              <a:t>vCPU (Thread)</a:t>
             </a:r>
             <a:endParaRPr lang="ko-KR" altLang="en-US" sz="1400" dirty="0"/>
           </a:p>
@@ -13906,7 +13433,7 @@
           <a:p>
             <a:pPr algn="ctr"/>
             <a:r>
-              <a:rPr lang="en-US" altLang="ko-KR" sz="1400" dirty="0" smtClean="0"/>
+              <a:rPr lang="en-US" altLang="ko-KR" sz="1400" dirty="0"/>
               <a:t>KVM Module</a:t>
             </a:r>
             <a:endParaRPr lang="ko-KR" altLang="en-US" sz="1400" dirty="0"/>
@@ -13950,7 +13477,7 @@
           <a:p>
             <a:pPr algn="ctr"/>
             <a:r>
-              <a:rPr lang="en-US" altLang="ko-KR" sz="1400" dirty="0" smtClean="0"/>
+              <a:rPr lang="en-US" altLang="ko-KR" sz="1400" dirty="0"/>
               <a:t>SCSI, SATA</a:t>
             </a:r>
             <a:endParaRPr lang="ko-KR" altLang="en-US" sz="1400" dirty="0"/>
@@ -13994,7 +13521,7 @@
           <a:p>
             <a:pPr algn="r"/>
             <a:r>
-              <a:rPr lang="en-US" altLang="ko-KR" sz="1400" dirty="0" smtClean="0"/>
+              <a:rPr lang="en-US" altLang="ko-KR" sz="1400" dirty="0"/>
               <a:t>Guest Kernel</a:t>
             </a:r>
             <a:endParaRPr lang="ko-KR" altLang="en-US" sz="1400" dirty="0"/>
@@ -14080,7 +13607,7 @@
           <a:p>
             <a:pPr algn="ctr"/>
             <a:r>
-              <a:rPr lang="en-US" altLang="ko-KR" sz="1200" dirty="0" smtClean="0"/>
+              <a:rPr lang="en-US" altLang="ko-KR" sz="1200" dirty="0"/>
               <a:t>Exception</a:t>
             </a:r>
             <a:endParaRPr lang="ko-KR" altLang="en-US" sz="1200" dirty="0"/>
@@ -14195,7 +13722,7 @@
           <a:p>
             <a:pPr algn="ctr"/>
             <a:r>
-              <a:rPr lang="en-US" altLang="ko-KR" sz="1400" dirty="0" err="1" smtClean="0">
+              <a:rPr lang="en-US" altLang="ko-KR" sz="1400" dirty="0" err="1">
                 <a:solidFill>
                   <a:schemeClr val="tx1"/>
                 </a:solidFill>
@@ -14286,7 +13813,7 @@
           <a:p>
             <a:pPr algn="ctr"/>
             <a:r>
-              <a:rPr lang="en-US" altLang="ko-KR" sz="1400" dirty="0" err="1" smtClean="0">
+              <a:rPr lang="en-US" altLang="ko-KR" sz="1400" dirty="0" err="1">
                 <a:solidFill>
                   <a:schemeClr val="tx1"/>
                 </a:solidFill>
@@ -14294,7 +13821,7 @@
               <a:t>virtio-scsi</a:t>
             </a:r>
             <a:r>
-              <a:rPr lang="en-US" altLang="ko-KR" sz="1400" dirty="0" smtClean="0">
+              <a:rPr lang="en-US" altLang="ko-KR" sz="1400" dirty="0">
                 <a:solidFill>
                   <a:schemeClr val="tx1"/>
                 </a:solidFill>
@@ -14355,7 +13882,7 @@
           <a:p>
             <a:pPr algn="ctr"/>
             <a:r>
-              <a:rPr lang="en-US" altLang="ko-KR" sz="1200" dirty="0" err="1" smtClean="0"/>
+              <a:rPr lang="en-US" altLang="ko-KR" sz="1200" dirty="0" err="1"/>
               <a:t>irqfd</a:t>
             </a:r>
             <a:endParaRPr lang="ko-KR" altLang="en-US" sz="1200" dirty="0"/>
@@ -14442,7 +13969,7 @@
           <a:p>
             <a:pPr algn="ctr"/>
             <a:r>
-              <a:rPr lang="en-US" altLang="ko-KR" sz="1200" dirty="0" err="1" smtClean="0"/>
+              <a:rPr lang="en-US" altLang="ko-KR" sz="1200" dirty="0" err="1"/>
               <a:t>ioeventfd</a:t>
             </a:r>
             <a:endParaRPr lang="ko-KR" altLang="en-US" sz="1200" dirty="0"/>
@@ -14491,7 +14018,7 @@
           <a:p>
             <a:pPr algn="ctr"/>
             <a:r>
-              <a:rPr lang="en-US" altLang="ko-KR" sz="1400" dirty="0" err="1" smtClean="0">
+              <a:rPr lang="en-US" altLang="ko-KR" sz="1400" dirty="0" err="1">
                 <a:solidFill>
                   <a:schemeClr val="tx1"/>
                 </a:solidFill>
@@ -14499,7 +14026,7 @@
               <a:t>virtio-scsi</a:t>
             </a:r>
             <a:r>
-              <a:rPr lang="en-US" altLang="ko-KR" sz="1400" dirty="0" smtClean="0">
+              <a:rPr lang="en-US" altLang="ko-KR" sz="1400" dirty="0">
                 <a:solidFill>
                   <a:schemeClr val="tx1"/>
                 </a:solidFill>
@@ -14561,15 +14088,7 @@
                   <a:schemeClr val="tx1"/>
                 </a:solidFill>
               </a:rPr>
-              <a:t>LIO (Linux I/O </a:t>
-            </a:r>
-            <a:r>
-              <a:rPr lang="en-US" altLang="ko-KR" sz="1400" dirty="0" smtClean="0">
-                <a:solidFill>
-                  <a:schemeClr val="tx1"/>
-                </a:solidFill>
-              </a:rPr>
-              <a:t>Target)</a:t>
+              <a:t>LIO (Linux I/O Target)</a:t>
             </a:r>
             <a:endParaRPr lang="ko-KR" altLang="en-US" sz="1400" dirty="0">
               <a:solidFill>
@@ -14616,7 +14135,7 @@
           <a:p>
             <a:pPr algn="ctr"/>
             <a:r>
-              <a:rPr lang="en-US" altLang="ko-KR" sz="1400" dirty="0" smtClean="0"/>
+              <a:rPr lang="en-US" altLang="ko-KR" sz="1400" dirty="0"/>
               <a:t>Block Device Driver</a:t>
             </a:r>
             <a:endParaRPr lang="ko-KR" altLang="en-US" sz="1400" dirty="0"/>
@@ -14743,7 +14262,7 @@
           <a:p>
             <a:pPr algn="ctr"/>
             <a:r>
-              <a:rPr lang="en-US" altLang="ko-KR" sz="1200" dirty="0" err="1" smtClean="0">
+              <a:rPr lang="en-US" altLang="ko-KR" sz="1200" dirty="0" err="1">
                 <a:solidFill>
                   <a:schemeClr val="tx1"/>
                 </a:solidFill>
@@ -14803,7 +14322,7 @@
           <a:p>
             <a:pPr algn="ctr"/>
             <a:r>
-              <a:rPr lang="en-US" altLang="ko-KR" sz="1200" dirty="0" smtClean="0">
+              <a:rPr lang="en-US" altLang="ko-KR" sz="1200" dirty="0">
                 <a:solidFill>
                   <a:sysClr val="windowText" lastClr="000000"/>
                 </a:solidFill>
@@ -14863,7 +14382,7 @@
           <a:p>
             <a:pPr algn="ctr"/>
             <a:r>
-              <a:rPr lang="en-US" altLang="ko-KR" sz="1200" dirty="0" smtClean="0">
+              <a:rPr lang="en-US" altLang="ko-KR" sz="1200" dirty="0">
                 <a:solidFill>
                   <a:sysClr val="windowText" lastClr="000000"/>
                 </a:solidFill>
@@ -14923,7 +14442,7 @@
           <a:p>
             <a:pPr algn="ctr"/>
             <a:r>
-              <a:rPr lang="en-US" altLang="ko-KR" sz="1200" dirty="0" smtClean="0">
+              <a:rPr lang="en-US" altLang="ko-KR" sz="1200" dirty="0">
                 <a:solidFill>
                   <a:sysClr val="windowText" lastClr="000000"/>
                 </a:solidFill>
@@ -15241,7 +14760,7 @@
           <a:p>
             <a:pPr algn="ctr"/>
             <a:r>
-              <a:rPr lang="en-US" altLang="ko-KR" sz="1200" dirty="0" smtClean="0">
+              <a:rPr lang="en-US" altLang="ko-KR" sz="1200" dirty="0">
                 <a:solidFill>
                   <a:sysClr val="windowText" lastClr="000000"/>
                 </a:solidFill>
@@ -15302,7 +14821,7 @@
           <a:p>
             <a:pPr algn="ctr"/>
             <a:r>
-              <a:rPr lang="en-US" altLang="ko-KR" sz="1200" dirty="0" err="1" smtClean="0"/>
+              <a:rPr lang="en-US" altLang="ko-KR" sz="1200" dirty="0" err="1"/>
               <a:t>vIRQ</a:t>
             </a:r>
             <a:endParaRPr lang="ko-KR" altLang="en-US" sz="1200" dirty="0"/>
@@ -15474,7 +14993,7 @@
           <a:p>
             <a:pPr algn="ctr"/>
             <a:r>
-              <a:rPr lang="en-US" altLang="ko-KR" sz="1200" dirty="0" smtClean="0">
+              <a:rPr lang="en-US" altLang="ko-KR" sz="1200" dirty="0">
                 <a:solidFill>
                   <a:sysClr val="windowText" lastClr="000000"/>
                 </a:solidFill>
@@ -15522,13 +15041,6 @@
   <p:clrMapOvr>
     <a:masterClrMapping/>
   </p:clrMapOvr>
-  <p:timing>
-    <p:tnLst>
-      <p:par>
-        <p:cTn id="1" dur="indefinite" restart="never" nodeType="tmRoot"/>
-      </p:par>
-    </p:tnLst>
-  </p:timing>
 </p:sld>
 </file>
 
